--- a/betterblood.pptx
+++ b/betterblood.pptx
@@ -8,8 +8,8 @@
     <p:sldId id="256" r:id="rId2"/>
     <p:sldId id="257" r:id="rId3"/>
     <p:sldId id="258" r:id="rId4"/>
-    <p:sldId id="259" r:id="rId5"/>
-    <p:sldId id="260" r:id="rId6"/>
+    <p:sldId id="265" r:id="rId5"/>
+    <p:sldId id="259" r:id="rId6"/>
     <p:sldId id="261" r:id="rId7"/>
     <p:sldId id="262" r:id="rId8"/>
   </p:sldIdLst>
@@ -110,6 +110,11 @@
       </a:defRPr>
     </a:lvl9pPr>
   </p:defaultTextStyle>
+  <p:extLst>
+    <p:ext uri="{EFAFB233-063F-42B5-8137-9DF3F51BA10A}">
+      <p15:sldGuideLst xmlns:p15="http://schemas.microsoft.com/office/powerpoint/2012/main"/>
+    </p:ext>
+  </p:extLst>
 </p:presentation>
 </file>
 
@@ -260,7 +265,7 @@
           <a:p>
             <a:fld id="{53A7C4DF-B272-2348-B6BD-2D13C13405A7}" type="datetimeFigureOut">
               <a:rPr lang="hu-HU" smtClean="0"/>
-              <a:t>2022. 11. 07.</a:t>
+              <a:t>2022. 11. 08.</a:t>
             </a:fld>
             <a:endParaRPr lang="hu-HU"/>
           </a:p>
@@ -458,7 +463,7 @@
           <a:p>
             <a:fld id="{53A7C4DF-B272-2348-B6BD-2D13C13405A7}" type="datetimeFigureOut">
               <a:rPr lang="hu-HU" smtClean="0"/>
-              <a:t>2022. 11. 07.</a:t>
+              <a:t>2022. 11. 08.</a:t>
             </a:fld>
             <a:endParaRPr lang="hu-HU"/>
           </a:p>
@@ -666,7 +671,7 @@
           <a:p>
             <a:fld id="{53A7C4DF-B272-2348-B6BD-2D13C13405A7}" type="datetimeFigureOut">
               <a:rPr lang="hu-HU" smtClean="0"/>
-              <a:t>2022. 11. 07.</a:t>
+              <a:t>2022. 11. 08.</a:t>
             </a:fld>
             <a:endParaRPr lang="hu-HU"/>
           </a:p>
@@ -864,7 +869,7 @@
           <a:p>
             <a:fld id="{53A7C4DF-B272-2348-B6BD-2D13C13405A7}" type="datetimeFigureOut">
               <a:rPr lang="hu-HU" smtClean="0"/>
-              <a:t>2022. 11. 07.</a:t>
+              <a:t>2022. 11. 08.</a:t>
             </a:fld>
             <a:endParaRPr lang="hu-HU"/>
           </a:p>
@@ -1139,7 +1144,7 @@
           <a:p>
             <a:fld id="{53A7C4DF-B272-2348-B6BD-2D13C13405A7}" type="datetimeFigureOut">
               <a:rPr lang="hu-HU" smtClean="0"/>
-              <a:t>2022. 11. 07.</a:t>
+              <a:t>2022. 11. 08.</a:t>
             </a:fld>
             <a:endParaRPr lang="hu-HU"/>
           </a:p>
@@ -1404,7 +1409,7 @@
           <a:p>
             <a:fld id="{53A7C4DF-B272-2348-B6BD-2D13C13405A7}" type="datetimeFigureOut">
               <a:rPr lang="hu-HU" smtClean="0"/>
-              <a:t>2022. 11. 07.</a:t>
+              <a:t>2022. 11. 08.</a:t>
             </a:fld>
             <a:endParaRPr lang="hu-HU"/>
           </a:p>
@@ -1816,7 +1821,7 @@
           <a:p>
             <a:fld id="{53A7C4DF-B272-2348-B6BD-2D13C13405A7}" type="datetimeFigureOut">
               <a:rPr lang="hu-HU" smtClean="0"/>
-              <a:t>2022. 11. 07.</a:t>
+              <a:t>2022. 11. 08.</a:t>
             </a:fld>
             <a:endParaRPr lang="hu-HU"/>
           </a:p>
@@ -1957,7 +1962,7 @@
           <a:p>
             <a:fld id="{53A7C4DF-B272-2348-B6BD-2D13C13405A7}" type="datetimeFigureOut">
               <a:rPr lang="hu-HU" smtClean="0"/>
-              <a:t>2022. 11. 07.</a:t>
+              <a:t>2022. 11. 08.</a:t>
             </a:fld>
             <a:endParaRPr lang="hu-HU"/>
           </a:p>
@@ -2070,7 +2075,7 @@
           <a:p>
             <a:fld id="{53A7C4DF-B272-2348-B6BD-2D13C13405A7}" type="datetimeFigureOut">
               <a:rPr lang="hu-HU" smtClean="0"/>
-              <a:t>2022. 11. 07.</a:t>
+              <a:t>2022. 11. 08.</a:t>
             </a:fld>
             <a:endParaRPr lang="hu-HU"/>
           </a:p>
@@ -2381,7 +2386,7 @@
           <a:p>
             <a:fld id="{53A7C4DF-B272-2348-B6BD-2D13C13405A7}" type="datetimeFigureOut">
               <a:rPr lang="hu-HU" smtClean="0"/>
-              <a:t>2022. 11. 07.</a:t>
+              <a:t>2022. 11. 08.</a:t>
             </a:fld>
             <a:endParaRPr lang="hu-HU"/>
           </a:p>
@@ -2669,7 +2674,7 @@
           <a:p>
             <a:fld id="{53A7C4DF-B272-2348-B6BD-2D13C13405A7}" type="datetimeFigureOut">
               <a:rPr lang="hu-HU" smtClean="0"/>
-              <a:t>2022. 11. 07.</a:t>
+              <a:t>2022. 11. 08.</a:t>
             </a:fld>
             <a:endParaRPr lang="hu-HU"/>
           </a:p>
@@ -2746,9 +2751,19 @@
 <p:sldMaster xmlns:a="http://schemas.openxmlformats.org/drawingml/2006/main" xmlns:r="http://schemas.openxmlformats.org/officeDocument/2006/relationships" xmlns:p="http://schemas.openxmlformats.org/presentationml/2006/main">
   <p:cSld>
     <p:bg>
-      <p:bgRef idx="1001">
-        <a:schemeClr val="bg1"/>
-      </p:bgRef>
+      <p:bgPr>
+        <a:blipFill dpi="0" rotWithShape="1">
+          <a:blip r:embed="rId13">
+            <a:alphaModFix amt="20000"/>
+            <a:lum/>
+          </a:blip>
+          <a:srcRect/>
+          <a:stretch>
+            <a:fillRect l="-14000" r="-14000"/>
+          </a:stretch>
+        </a:blipFill>
+        <a:effectLst/>
+      </p:bgPr>
     </p:bg>
     <p:spTree>
       <p:nvGrpSpPr>
@@ -2910,7 +2925,7 @@
           <a:p>
             <a:fld id="{53A7C4DF-B272-2348-B6BD-2D13C13405A7}" type="datetimeFigureOut">
               <a:rPr lang="hu-HU" smtClean="0"/>
-              <a:t>2022. 11. 07.</a:t>
+              <a:t>2022. 11. 08.</a:t>
             </a:fld>
             <a:endParaRPr lang="hu-HU"/>
           </a:p>
@@ -3343,15 +3358,21 @@
             <p:ph type="ctrTitle"/>
           </p:nvPr>
         </p:nvSpPr>
-        <p:spPr/>
+        <p:spPr>
+          <a:xfrm>
+            <a:off x="343125" y="0"/>
+            <a:ext cx="10445857" cy="3905573"/>
+          </a:xfrm>
+        </p:spPr>
         <p:txBody>
           <a:bodyPr>
-            <a:normAutofit/>
+            <a:noAutofit/>
           </a:bodyPr>
           <a:lstStyle/>
           <a:p>
-            <a:r>
-              <a:rPr lang="hu-HU" sz="2400" dirty="0" err="1">
+            <a:pPr algn="l"/>
+            <a:r>
+              <a:rPr lang="hu-HU" sz="4800" dirty="0" err="1">
                 <a:effectLst/>
                 <a:latin typeface="Arial" panose="020B0604020202020204" pitchFamily="34" charset="0"/>
                 <a:cs typeface="Arial" panose="020B0604020202020204" pitchFamily="34" charset="0"/>
@@ -3359,7 +3380,7 @@
               <a:t>Efficient</a:t>
             </a:r>
             <a:r>
-              <a:rPr lang="hu-HU" sz="2400" dirty="0">
+              <a:rPr lang="hu-HU" sz="4800" dirty="0">
                 <a:effectLst/>
                 <a:latin typeface="Arial" panose="020B0604020202020204" pitchFamily="34" charset="0"/>
                 <a:cs typeface="Arial" panose="020B0604020202020204" pitchFamily="34" charset="0"/>
@@ -3367,7 +3388,7 @@
               <a:t> </a:t>
             </a:r>
             <a:r>
-              <a:rPr lang="hu-HU" sz="2400" dirty="0" err="1">
+              <a:rPr lang="hu-HU" sz="4800" dirty="0" err="1">
                 <a:effectLst/>
                 <a:latin typeface="Arial" panose="020B0604020202020204" pitchFamily="34" charset="0"/>
                 <a:cs typeface="Arial" panose="020B0604020202020204" pitchFamily="34" charset="0"/>
@@ -3375,7 +3396,7 @@
               <a:t>categorization</a:t>
             </a:r>
             <a:r>
-              <a:rPr lang="hu-HU" sz="2400" dirty="0">
+              <a:rPr lang="hu-HU" sz="4800" dirty="0">
                 <a:effectLst/>
                 <a:latin typeface="Arial" panose="020B0604020202020204" pitchFamily="34" charset="0"/>
                 <a:cs typeface="Arial" panose="020B0604020202020204" pitchFamily="34" charset="0"/>
@@ -3383,7 +3404,7 @@
               <a:t> of </a:t>
             </a:r>
             <a:r>
-              <a:rPr lang="hu-HU" sz="2400" dirty="0" err="1">
+              <a:rPr lang="hu-HU" sz="4800" dirty="0" err="1">
                 <a:effectLst/>
                 <a:latin typeface="Arial" panose="020B0604020202020204" pitchFamily="34" charset="0"/>
                 <a:cs typeface="Arial" panose="020B0604020202020204" pitchFamily="34" charset="0"/>
@@ -3391,7 +3412,7 @@
               <a:t>white</a:t>
             </a:r>
             <a:r>
-              <a:rPr lang="hu-HU" sz="2400" dirty="0">
+              <a:rPr lang="hu-HU" sz="4800" dirty="0">
                 <a:effectLst/>
                 <a:latin typeface="Arial" panose="020B0604020202020204" pitchFamily="34" charset="0"/>
                 <a:cs typeface="Arial" panose="020B0604020202020204" pitchFamily="34" charset="0"/>
@@ -3399,7 +3420,7 @@
               <a:t> </a:t>
             </a:r>
             <a:r>
-              <a:rPr lang="hu-HU" sz="2400" dirty="0" err="1">
+              <a:rPr lang="hu-HU" sz="4800" dirty="0" err="1">
                 <a:effectLst/>
                 <a:latin typeface="Arial" panose="020B0604020202020204" pitchFamily="34" charset="0"/>
                 <a:cs typeface="Arial" panose="020B0604020202020204" pitchFamily="34" charset="0"/>
@@ -3407,7 +3428,7 @@
               <a:t>blood</a:t>
             </a:r>
             <a:r>
-              <a:rPr lang="hu-HU" sz="2400" dirty="0">
+              <a:rPr lang="hu-HU" sz="4800" dirty="0">
                 <a:effectLst/>
                 <a:latin typeface="Arial" panose="020B0604020202020204" pitchFamily="34" charset="0"/>
                 <a:cs typeface="Arial" panose="020B0604020202020204" pitchFamily="34" charset="0"/>
@@ -3415,7 +3436,7 @@
               <a:t> </a:t>
             </a:r>
             <a:r>
-              <a:rPr lang="hu-HU" sz="2400" dirty="0" err="1">
+              <a:rPr lang="hu-HU" sz="4800" dirty="0" err="1">
                 <a:effectLst/>
                 <a:latin typeface="Arial" panose="020B0604020202020204" pitchFamily="34" charset="0"/>
                 <a:cs typeface="Arial" panose="020B0604020202020204" pitchFamily="34" charset="0"/>
@@ -3423,7 +3444,7 @@
               <a:t>cells</a:t>
             </a:r>
             <a:r>
-              <a:rPr lang="hu-HU" sz="2400" dirty="0">
+              <a:rPr lang="hu-HU" sz="4800" dirty="0">
                 <a:effectLst/>
                 <a:latin typeface="Arial" panose="020B0604020202020204" pitchFamily="34" charset="0"/>
                 <a:cs typeface="Arial" panose="020B0604020202020204" pitchFamily="34" charset="0"/>
@@ -3431,7 +3452,7 @@
               <a:t> </a:t>
             </a:r>
             <a:r>
-              <a:rPr lang="hu-HU" sz="2400" dirty="0" err="1">
+              <a:rPr lang="hu-HU" sz="4800" dirty="0" err="1">
                 <a:effectLst/>
                 <a:latin typeface="Arial" panose="020B0604020202020204" pitchFamily="34" charset="0"/>
                 <a:cs typeface="Arial" panose="020B0604020202020204" pitchFamily="34" charset="0"/>
@@ -3439,7 +3460,7 @@
               <a:t>by</a:t>
             </a:r>
             <a:r>
-              <a:rPr lang="hu-HU" sz="2400" dirty="0">
+              <a:rPr lang="hu-HU" sz="4800" dirty="0">
                 <a:effectLst/>
                 <a:latin typeface="Arial" panose="020B0604020202020204" pitchFamily="34" charset="0"/>
                 <a:cs typeface="Arial" panose="020B0604020202020204" pitchFamily="34" charset="0"/>
@@ -3447,7 +3468,7 @@
               <a:t> </a:t>
             </a:r>
             <a:r>
-              <a:rPr lang="hu-HU" sz="2400" dirty="0" err="1">
+              <a:rPr lang="hu-HU" sz="4800" dirty="0" err="1">
                 <a:effectLst/>
                 <a:latin typeface="Arial" panose="020B0604020202020204" pitchFamily="34" charset="0"/>
                 <a:cs typeface="Arial" panose="020B0604020202020204" pitchFamily="34" charset="0"/>
@@ -3455,7 +3476,7 @@
               <a:t>utilizing</a:t>
             </a:r>
             <a:r>
-              <a:rPr lang="hu-HU" sz="2400" dirty="0">
+              <a:rPr lang="hu-HU" sz="4800" dirty="0">
                 <a:effectLst/>
                 <a:latin typeface="Arial" panose="020B0604020202020204" pitchFamily="34" charset="0"/>
                 <a:cs typeface="Arial" panose="020B0604020202020204" pitchFamily="34" charset="0"/>
@@ -3463,7 +3484,7 @@
               <a:t> ResNet50V2 in </a:t>
             </a:r>
             <a:r>
-              <a:rPr lang="hu-HU" sz="2400" dirty="0" err="1">
+              <a:rPr lang="hu-HU" sz="4800" dirty="0" err="1">
                 <a:effectLst/>
                 <a:latin typeface="Arial" panose="020B0604020202020204" pitchFamily="34" charset="0"/>
                 <a:cs typeface="Arial" panose="020B0604020202020204" pitchFamily="34" charset="0"/>
@@ -3471,7 +3492,7 @@
               <a:t>the</a:t>
             </a:r>
             <a:r>
-              <a:rPr lang="hu-HU" sz="2400" dirty="0">
+              <a:rPr lang="hu-HU" sz="4800" dirty="0">
                 <a:effectLst/>
                 <a:latin typeface="Arial" panose="020B0604020202020204" pitchFamily="34" charset="0"/>
                 <a:cs typeface="Arial" panose="020B0604020202020204" pitchFamily="34" charset="0"/>
@@ -3479,7 +3500,7 @@
               <a:t> 4B-AdditionNet-based CNN </a:t>
             </a:r>
             <a:r>
-              <a:rPr lang="hu-HU" sz="2400" dirty="0" err="1">
+              <a:rPr lang="hu-HU" sz="4800" dirty="0" err="1">
                 <a:effectLst/>
                 <a:latin typeface="Arial" panose="020B0604020202020204" pitchFamily="34" charset="0"/>
                 <a:cs typeface="Arial" panose="020B0604020202020204" pitchFamily="34" charset="0"/>
@@ -3487,7 +3508,7 @@
               <a:t>network</a:t>
             </a:r>
             <a:r>
-              <a:rPr lang="hu-HU" sz="2400" dirty="0">
+              <a:rPr lang="hu-HU" sz="4800" dirty="0">
                 <a:effectLst/>
                 <a:latin typeface="Arial" panose="020B0604020202020204" pitchFamily="34" charset="0"/>
                 <a:cs typeface="Arial" panose="020B0604020202020204" pitchFamily="34" charset="0"/>
@@ -3495,7 +3516,7 @@
               <a:t> and </a:t>
             </a:r>
             <a:r>
-              <a:rPr lang="hu-HU" sz="2400" dirty="0" err="1">
+              <a:rPr lang="hu-HU" sz="4800" dirty="0" err="1">
                 <a:effectLst/>
                 <a:latin typeface="Arial" panose="020B0604020202020204" pitchFamily="34" charset="0"/>
                 <a:cs typeface="Arial" panose="020B0604020202020204" pitchFamily="34" charset="0"/>
@@ -3503,7 +3524,7 @@
               <a:t>ant</a:t>
             </a:r>
             <a:r>
-              <a:rPr lang="hu-HU" sz="2400" dirty="0">
+              <a:rPr lang="hu-HU" sz="4800" dirty="0">
                 <a:effectLst/>
                 <a:latin typeface="Arial" panose="020B0604020202020204" pitchFamily="34" charset="0"/>
                 <a:cs typeface="Arial" panose="020B0604020202020204" pitchFamily="34" charset="0"/>
@@ -3511,7 +3532,7 @@
               <a:t> </a:t>
             </a:r>
             <a:r>
-              <a:rPr lang="hu-HU" sz="2400" dirty="0" err="1">
+              <a:rPr lang="hu-HU" sz="4800" dirty="0" err="1">
                 <a:effectLst/>
                 <a:latin typeface="Arial" panose="020B0604020202020204" pitchFamily="34" charset="0"/>
                 <a:cs typeface="Arial" panose="020B0604020202020204" pitchFamily="34" charset="0"/>
@@ -3519,7 +3540,7 @@
               <a:t>colony</a:t>
             </a:r>
             <a:r>
-              <a:rPr lang="hu-HU" sz="2400" dirty="0">
+              <a:rPr lang="hu-HU" sz="4800" dirty="0">
                 <a:effectLst/>
                 <a:latin typeface="Arial" panose="020B0604020202020204" pitchFamily="34" charset="0"/>
                 <a:cs typeface="Arial" panose="020B0604020202020204" pitchFamily="34" charset="0"/>
@@ -3527,7 +3548,7 @@
               <a:t> </a:t>
             </a:r>
             <a:r>
-              <a:rPr lang="hu-HU" sz="2400" dirty="0" err="1">
+              <a:rPr lang="hu-HU" sz="4800" dirty="0" err="1">
                 <a:effectLst/>
                 <a:latin typeface="Arial" panose="020B0604020202020204" pitchFamily="34" charset="0"/>
                 <a:cs typeface="Arial" panose="020B0604020202020204" pitchFamily="34" charset="0"/>
@@ -3535,7 +3556,7 @@
               <a:t>optimization</a:t>
             </a:r>
             <a:r>
-              <a:rPr lang="hu-HU" sz="2400" dirty="0">
+              <a:rPr lang="hu-HU" sz="4800" dirty="0">
                 <a:effectLst/>
                 <a:latin typeface="Arial" panose="020B0604020202020204" pitchFamily="34" charset="0"/>
                 <a:cs typeface="Arial" panose="020B0604020202020204" pitchFamily="34" charset="0"/>
@@ -3543,7 +3564,7 @@
               <a:t> </a:t>
             </a:r>
             <a:r>
-              <a:rPr lang="hu-HU" sz="2400" dirty="0" err="1">
+              <a:rPr lang="hu-HU" sz="4800" dirty="0" err="1">
                 <a:effectLst/>
                 <a:latin typeface="Arial" panose="020B0604020202020204" pitchFamily="34" charset="0"/>
                 <a:cs typeface="Arial" panose="020B0604020202020204" pitchFamily="34" charset="0"/>
@@ -3551,14 +3572,14 @@
               <a:t>workflow</a:t>
             </a:r>
             <a:r>
-              <a:rPr lang="hu-HU" sz="2400" dirty="0">
+              <a:rPr lang="hu-HU" sz="4800" dirty="0">
                 <a:effectLst/>
                 <a:latin typeface="Arial" panose="020B0604020202020204" pitchFamily="34" charset="0"/>
                 <a:cs typeface="Arial" panose="020B0604020202020204" pitchFamily="34" charset="0"/>
               </a:rPr>
               <a:t> </a:t>
             </a:r>
-            <a:endParaRPr lang="hu-HU" sz="2400" dirty="0">
+            <a:endParaRPr lang="hu-HU" sz="4800" dirty="0">
               <a:latin typeface="Arial" panose="020B0604020202020204" pitchFamily="34" charset="0"/>
               <a:cs typeface="Arial" panose="020B0604020202020204" pitchFamily="34" charset="0"/>
             </a:endParaRPr>
@@ -3583,8 +3604,8 @@
         </p:nvSpPr>
         <p:spPr>
           <a:xfrm>
-            <a:off x="1017270" y="3590608"/>
-            <a:ext cx="10252710" cy="1655762"/>
+            <a:off x="0" y="5594888"/>
+            <a:ext cx="7310034" cy="1263112"/>
           </a:xfrm>
         </p:spPr>
         <p:txBody>
@@ -3612,43 +3633,46 @@
             </a:br>
             <a:r>
               <a:rPr lang="hu-HU" dirty="0" err="1"/>
-              <a:t>Balazs</a:t>
+              <a:t>Bustya</a:t>
             </a:r>
             <a:r>
               <a:rPr lang="hu-HU" dirty="0"/>
-              <a:t> </a:t>
-            </a:r>
-            <a:r>
-              <a:rPr lang="hu-HU" dirty="0" err="1"/>
-              <a:t>Bustya</a:t>
-            </a:r>
+              <a:t> Balázs, Csizmadia Árpád, Nagy Norbert Botond, Novák-Schwartz József 	</a:t>
+            </a:r>
+          </a:p>
+        </p:txBody>
+      </p:sp>
+      <p:sp>
+        <p:nvSpPr>
+          <p:cNvPr id="4" name="Szövegdoboz 3">
+            <a:extLst>
+              <a:ext uri="{FF2B5EF4-FFF2-40B4-BE49-F238E27FC236}">
+                <a16:creationId xmlns:a16="http://schemas.microsoft.com/office/drawing/2014/main" id="{E813197A-C2E1-E172-0D78-D9B0CBF61D61}"/>
+              </a:ext>
+            </a:extLst>
+          </p:cNvPr>
+          <p:cNvSpPr txBox="1"/>
+          <p:nvPr/>
+        </p:nvSpPr>
+        <p:spPr>
+          <a:xfrm>
+            <a:off x="9704070" y="6092190"/>
+            <a:ext cx="2169825" cy="369332"/>
+          </a:xfrm>
+          <a:prstGeom prst="rect">
+            <a:avLst/>
+          </a:prstGeom>
+          <a:noFill/>
+        </p:spPr>
+        <p:txBody>
+          <a:bodyPr wrap="none" rtlCol="0">
+            <a:spAutoFit/>
+          </a:bodyPr>
+          <a:lstStyle/>
+          <a:p>
             <a:r>
               <a:rPr lang="hu-HU" dirty="0"/>
-              <a:t>, Csizmadia </a:t>
-            </a:r>
-            <a:r>
-              <a:rPr lang="hu-HU" dirty="0" err="1"/>
-              <a:t>Arpad</a:t>
-            </a:r>
-            <a:r>
-              <a:rPr lang="hu-HU" dirty="0"/>
-              <a:t>, Nagy Norbert Botond, </a:t>
-            </a:r>
-            <a:r>
-              <a:rPr lang="hu-HU" dirty="0" err="1"/>
-              <a:t>Novak</a:t>
-            </a:r>
-            <a:r>
-              <a:rPr lang="hu-HU" dirty="0"/>
-              <a:t>-Schwartz </a:t>
-            </a:r>
-            <a:r>
-              <a:rPr lang="hu-HU" dirty="0" err="1"/>
-              <a:t>Jozsef</a:t>
-            </a:r>
-            <a:r>
-              <a:rPr lang="hu-HU" dirty="0"/>
-              <a:t> 	</a:t>
+              <a:t>Budapest 2022.11.08</a:t>
             </a:r>
           </a:p>
         </p:txBody>
@@ -3734,494 +3758,489 @@
         </p:nvSpPr>
         <p:spPr/>
         <p:txBody>
-          <a:bodyPr/>
-          <a:lstStyle/>
-          <a:p>
-            <a:r>
-              <a:rPr lang="hu-HU" sz="1800" dirty="0" err="1">
+          <a:bodyPr>
+            <a:normAutofit/>
+          </a:bodyPr>
+          <a:lstStyle/>
+          <a:p>
+            <a:r>
+              <a:rPr lang="hu-HU" dirty="0" err="1">
                 <a:effectLst/>
                 <a:latin typeface="NimbusRomNo9L"/>
               </a:rPr>
               <a:t>Based</a:t>
             </a:r>
             <a:r>
-              <a:rPr lang="hu-HU" sz="1800" dirty="0">
+              <a:rPr lang="hu-HU" dirty="0">
                 <a:effectLst/>
                 <a:latin typeface="NimbusRomNo9L"/>
               </a:rPr>
               <a:t> </a:t>
             </a:r>
             <a:r>
-              <a:rPr lang="hu-HU" sz="1800" dirty="0" err="1">
+              <a:rPr lang="hu-HU" dirty="0" err="1">
                 <a:effectLst/>
                 <a:latin typeface="NimbusRomNo9L"/>
               </a:rPr>
               <a:t>on</a:t>
             </a:r>
             <a:r>
-              <a:rPr lang="hu-HU" sz="1800" dirty="0">
+              <a:rPr lang="hu-HU" dirty="0">
                 <a:effectLst/>
                 <a:latin typeface="NimbusRomNo9L"/>
               </a:rPr>
               <a:t> </a:t>
             </a:r>
             <a:r>
-              <a:rPr lang="hu-HU" sz="1800" dirty="0" err="1">
+              <a:rPr lang="hu-HU" dirty="0" err="1">
                 <a:effectLst/>
                 <a:latin typeface="NimbusRomNo9L"/>
               </a:rPr>
               <a:t>different</a:t>
             </a:r>
             <a:r>
-              <a:rPr lang="hu-HU" sz="1800" dirty="0">
+              <a:rPr lang="hu-HU" dirty="0">
                 <a:effectLst/>
                 <a:latin typeface="NimbusRomNo9L"/>
               </a:rPr>
               <a:t> </a:t>
             </a:r>
             <a:r>
-              <a:rPr lang="hu-HU" sz="1800" dirty="0" err="1">
+              <a:rPr lang="hu-HU" dirty="0" err="1">
                 <a:effectLst/>
                 <a:latin typeface="NimbusRomNo9L"/>
               </a:rPr>
               <a:t>attributes</a:t>
             </a:r>
             <a:r>
-              <a:rPr lang="hu-HU" sz="1800" dirty="0">
+              <a:rPr lang="hu-HU" dirty="0">
                 <a:effectLst/>
                 <a:latin typeface="NimbusRomNo9L"/>
               </a:rPr>
               <a:t> of </a:t>
             </a:r>
             <a:r>
-              <a:rPr lang="hu-HU" sz="1800" dirty="0" err="1">
+              <a:rPr lang="hu-HU" dirty="0" err="1">
                 <a:effectLst/>
                 <a:latin typeface="NimbusRomNo9L"/>
               </a:rPr>
               <a:t>the</a:t>
             </a:r>
             <a:r>
-              <a:rPr lang="hu-HU" sz="1800" dirty="0">
+              <a:rPr lang="hu-HU" dirty="0">
                 <a:effectLst/>
                 <a:latin typeface="NimbusRomNo9L"/>
               </a:rPr>
               <a:t> </a:t>
             </a:r>
             <a:r>
-              <a:rPr lang="hu-HU" sz="1800" dirty="0" err="1">
+              <a:rPr lang="hu-HU" dirty="0" err="1">
                 <a:effectLst/>
                 <a:latin typeface="NimbusRomNo9L"/>
               </a:rPr>
               <a:t>blood’s</a:t>
             </a:r>
             <a:r>
-              <a:rPr lang="hu-HU" sz="1800" dirty="0">
+              <a:rPr lang="hu-HU" dirty="0">
                 <a:effectLst/>
                 <a:latin typeface="NimbusRomNo9L"/>
               </a:rPr>
               <a:t> </a:t>
             </a:r>
             <a:r>
-              <a:rPr lang="hu-HU" sz="1800" dirty="0" err="1">
+              <a:rPr lang="hu-HU" dirty="0" err="1">
                 <a:effectLst/>
                 <a:latin typeface="NimbusRomNo9L"/>
               </a:rPr>
               <a:t>cellular</a:t>
             </a:r>
             <a:r>
-              <a:rPr lang="hu-HU" sz="1800" dirty="0">
+              <a:rPr lang="hu-HU" dirty="0">
                 <a:effectLst/>
                 <a:latin typeface="NimbusRomNo9L"/>
               </a:rPr>
               <a:t> </a:t>
             </a:r>
             <a:r>
-              <a:rPr lang="hu-HU" sz="1800" dirty="0" err="1">
+              <a:rPr lang="hu-HU" dirty="0" err="1">
                 <a:effectLst/>
                 <a:latin typeface="NimbusRomNo9L"/>
               </a:rPr>
               <a:t>components</a:t>
             </a:r>
             <a:r>
-              <a:rPr lang="hu-HU" sz="1800" dirty="0">
+              <a:rPr lang="hu-HU" dirty="0">
                 <a:effectLst/>
                 <a:latin typeface="NimbusRomNo9L"/>
               </a:rPr>
               <a:t>, like </a:t>
             </a:r>
             <a:r>
-              <a:rPr lang="hu-HU" sz="1800" dirty="0" err="1">
+              <a:rPr lang="hu-HU" dirty="0" err="1">
                 <a:effectLst/>
                 <a:latin typeface="NimbusRomNo9L"/>
               </a:rPr>
               <a:t>colour</a:t>
             </a:r>
             <a:r>
-              <a:rPr lang="hu-HU" sz="1800" dirty="0">
+              <a:rPr lang="hu-HU" dirty="0">
                 <a:effectLst/>
                 <a:latin typeface="NimbusRomNo9L"/>
               </a:rPr>
               <a:t>, </a:t>
             </a:r>
             <a:r>
-              <a:rPr lang="hu-HU" sz="1800" dirty="0" err="1">
+              <a:rPr lang="hu-HU" dirty="0" err="1">
                 <a:effectLst/>
                 <a:latin typeface="NimbusRomNo9L"/>
               </a:rPr>
               <a:t>size</a:t>
             </a:r>
             <a:r>
-              <a:rPr lang="hu-HU" sz="1800" dirty="0">
+              <a:rPr lang="hu-HU" dirty="0">
                 <a:effectLst/>
                 <a:latin typeface="NimbusRomNo9L"/>
               </a:rPr>
               <a:t>, </a:t>
             </a:r>
             <a:r>
-              <a:rPr lang="hu-HU" sz="1800" dirty="0" err="1">
+              <a:rPr lang="hu-HU" dirty="0" err="1">
                 <a:effectLst/>
                 <a:latin typeface="NimbusRomNo9L"/>
               </a:rPr>
               <a:t>texture</a:t>
             </a:r>
             <a:r>
-              <a:rPr lang="hu-HU" sz="1800" dirty="0">
+              <a:rPr lang="hu-HU" dirty="0">
                 <a:effectLst/>
                 <a:latin typeface="NimbusRomNo9L"/>
               </a:rPr>
               <a:t>, </a:t>
             </a:r>
             <a:r>
-              <a:rPr lang="hu-HU" sz="1800" dirty="0" err="1">
+              <a:rPr lang="hu-HU" dirty="0" err="1">
                 <a:effectLst/>
                 <a:latin typeface="NimbusRomNo9L"/>
               </a:rPr>
               <a:t>composition</a:t>
             </a:r>
             <a:r>
-              <a:rPr lang="hu-HU" sz="1800" dirty="0">
+              <a:rPr lang="hu-HU" dirty="0">
                 <a:effectLst/>
                 <a:latin typeface="NimbusRomNo9L"/>
               </a:rPr>
               <a:t> and </a:t>
             </a:r>
             <a:r>
-              <a:rPr lang="hu-HU" sz="1800" dirty="0" err="1">
+              <a:rPr lang="hu-HU" dirty="0" err="1">
                 <a:effectLst/>
                 <a:latin typeface="NimbusRomNo9L"/>
               </a:rPr>
               <a:t>shape</a:t>
             </a:r>
             <a:r>
-              <a:rPr lang="hu-HU" sz="1800" dirty="0">
+              <a:rPr lang="hu-HU" dirty="0">
                 <a:effectLst/>
                 <a:latin typeface="NimbusRomNo9L"/>
               </a:rPr>
               <a:t>, </a:t>
             </a:r>
             <a:r>
-              <a:rPr lang="hu-HU" sz="1800" dirty="0" err="1">
+              <a:rPr lang="hu-HU" dirty="0" err="1">
                 <a:effectLst/>
                 <a:latin typeface="NimbusRomNo9L"/>
               </a:rPr>
               <a:t>they</a:t>
             </a:r>
             <a:r>
-              <a:rPr lang="hu-HU" sz="1800" dirty="0">
+              <a:rPr lang="hu-HU" dirty="0">
                 <a:effectLst/>
                 <a:latin typeface="NimbusRomNo9L"/>
               </a:rPr>
               <a:t> </a:t>
             </a:r>
             <a:r>
-              <a:rPr lang="hu-HU" sz="1800" dirty="0" err="1">
+              <a:rPr lang="hu-HU" dirty="0" err="1">
                 <a:effectLst/>
                 <a:latin typeface="NimbusRomNo9L"/>
               </a:rPr>
               <a:t>are</a:t>
             </a:r>
             <a:r>
-              <a:rPr lang="hu-HU" sz="1800" dirty="0">
+              <a:rPr lang="hu-HU" dirty="0">
                 <a:effectLst/>
                 <a:latin typeface="NimbusRomNo9L"/>
               </a:rPr>
               <a:t> </a:t>
             </a:r>
             <a:r>
-              <a:rPr lang="hu-HU" sz="1800" dirty="0" err="1">
+              <a:rPr lang="hu-HU" dirty="0" err="1">
                 <a:effectLst/>
                 <a:latin typeface="NimbusRomNo9L"/>
               </a:rPr>
               <a:t>separated</a:t>
             </a:r>
             <a:r>
-              <a:rPr lang="hu-HU" sz="1800" dirty="0">
+              <a:rPr lang="hu-HU" dirty="0">
                 <a:effectLst/>
                 <a:latin typeface="NimbusRomNo9L"/>
               </a:rPr>
               <a:t> </a:t>
             </a:r>
             <a:r>
-              <a:rPr lang="hu-HU" sz="1800" dirty="0" err="1">
+              <a:rPr lang="hu-HU" dirty="0" err="1">
                 <a:effectLst/>
                 <a:latin typeface="NimbusRomNo9L"/>
               </a:rPr>
               <a:t>into</a:t>
             </a:r>
             <a:r>
-              <a:rPr lang="hu-HU" sz="1800" dirty="0">
+              <a:rPr lang="hu-HU" dirty="0">
                 <a:effectLst/>
                 <a:latin typeface="NimbusRomNo9L"/>
               </a:rPr>
               <a:t> </a:t>
             </a:r>
             <a:r>
-              <a:rPr lang="hu-HU" sz="1800" dirty="0" err="1">
+              <a:rPr lang="hu-HU" dirty="0" err="1">
                 <a:effectLst/>
                 <a:latin typeface="NimbusRomNo9L"/>
               </a:rPr>
               <a:t>three</a:t>
             </a:r>
             <a:r>
-              <a:rPr lang="hu-HU" sz="1800" dirty="0">
+              <a:rPr lang="hu-HU" dirty="0">
                 <a:effectLst/>
                 <a:latin typeface="NimbusRomNo9L"/>
               </a:rPr>
               <a:t> </a:t>
             </a:r>
             <a:r>
-              <a:rPr lang="hu-HU" sz="1800" dirty="0" err="1">
+              <a:rPr lang="hu-HU" dirty="0" err="1">
                 <a:effectLst/>
                 <a:latin typeface="NimbusRomNo9L"/>
               </a:rPr>
               <a:t>cell</a:t>
             </a:r>
             <a:r>
-              <a:rPr lang="hu-HU" sz="1800" dirty="0">
+              <a:rPr lang="hu-HU" dirty="0">
                 <a:effectLst/>
                 <a:latin typeface="NimbusRomNo9L"/>
               </a:rPr>
               <a:t> </a:t>
             </a:r>
             <a:r>
-              <a:rPr lang="hu-HU" sz="1800" dirty="0" err="1">
+              <a:rPr lang="hu-HU" dirty="0" err="1">
                 <a:effectLst/>
                 <a:latin typeface="NimbusRomNo9L"/>
               </a:rPr>
               <a:t>types</a:t>
             </a:r>
             <a:r>
-              <a:rPr lang="hu-HU" sz="1800" dirty="0">
+              <a:rPr lang="hu-HU" dirty="0">
                 <a:effectLst/>
                 <a:latin typeface="NimbusRomNo9L"/>
               </a:rPr>
               <a:t>: </a:t>
             </a:r>
             <a:r>
-              <a:rPr lang="hu-HU" sz="1800" dirty="0" err="1">
+              <a:rPr lang="hu-HU" dirty="0" err="1">
                 <a:effectLst/>
                 <a:latin typeface="NimbusRomNo9L"/>
               </a:rPr>
               <a:t>erythrocytes</a:t>
             </a:r>
             <a:r>
-              <a:rPr lang="hu-HU" sz="1800" dirty="0">
+              <a:rPr lang="hu-HU" dirty="0">
                 <a:effectLst/>
                 <a:latin typeface="NimbusRomNo9L"/>
               </a:rPr>
               <a:t> </a:t>
             </a:r>
             <a:r>
-              <a:rPr lang="hu-HU" sz="1800" dirty="0" err="1">
+              <a:rPr lang="hu-HU" dirty="0" err="1">
                 <a:effectLst/>
                 <a:latin typeface="NimbusRomNo9L"/>
               </a:rPr>
               <a:t>also</a:t>
             </a:r>
             <a:r>
-              <a:rPr lang="hu-HU" sz="1800" dirty="0">
+              <a:rPr lang="hu-HU" dirty="0">
                 <a:effectLst/>
                 <a:latin typeface="NimbusRomNo9L"/>
               </a:rPr>
               <a:t> </a:t>
             </a:r>
             <a:r>
-              <a:rPr lang="hu-HU" sz="1800" dirty="0" err="1">
+              <a:rPr lang="hu-HU" dirty="0" err="1">
                 <a:effectLst/>
                 <a:latin typeface="NimbusRomNo9L"/>
               </a:rPr>
               <a:t>known</a:t>
             </a:r>
             <a:r>
-              <a:rPr lang="hu-HU" sz="1800" dirty="0">
+              <a:rPr lang="hu-HU" dirty="0">
                 <a:effectLst/>
                 <a:latin typeface="NimbusRomNo9L"/>
               </a:rPr>
               <a:t> </a:t>
             </a:r>
             <a:r>
-              <a:rPr lang="hu-HU" sz="1800" dirty="0" err="1">
+              <a:rPr lang="hu-HU" dirty="0" err="1">
                 <a:effectLst/>
                 <a:latin typeface="NimbusRomNo9L"/>
               </a:rPr>
               <a:t>as</a:t>
             </a:r>
             <a:r>
-              <a:rPr lang="hu-HU" sz="1800" dirty="0">
+              <a:rPr lang="hu-HU" dirty="0">
                 <a:effectLst/>
                 <a:latin typeface="NimbusRomNo9L"/>
               </a:rPr>
               <a:t> Red </a:t>
             </a:r>
             <a:r>
-              <a:rPr lang="hu-HU" sz="1800" dirty="0" err="1">
+              <a:rPr lang="hu-HU" dirty="0" err="1">
                 <a:effectLst/>
                 <a:latin typeface="NimbusRomNo9L"/>
               </a:rPr>
               <a:t>Blood</a:t>
             </a:r>
             <a:r>
-              <a:rPr lang="hu-HU" sz="1800" dirty="0">
+              <a:rPr lang="hu-HU" dirty="0">
                 <a:effectLst/>
                 <a:latin typeface="NimbusRomNo9L"/>
               </a:rPr>
               <a:t> </a:t>
             </a:r>
             <a:r>
-              <a:rPr lang="hu-HU" sz="1800" dirty="0" err="1">
+              <a:rPr lang="hu-HU" dirty="0" err="1">
                 <a:effectLst/>
                 <a:latin typeface="NimbusRomNo9L"/>
               </a:rPr>
               <a:t>Cells</a:t>
             </a:r>
             <a:r>
-              <a:rPr lang="hu-HU" sz="1800" dirty="0">
+              <a:rPr lang="hu-HU" dirty="0">
                 <a:effectLst/>
                 <a:latin typeface="NimbusRomNo9L"/>
               </a:rPr>
               <a:t> (</a:t>
             </a:r>
             <a:r>
-              <a:rPr lang="hu-HU" sz="3200" dirty="0">
+              <a:rPr lang="hu-HU" b="1" dirty="0">
                 <a:effectLst/>
                 <a:latin typeface="NimbusRomNo9L"/>
               </a:rPr>
               <a:t>RBC</a:t>
             </a:r>
             <a:r>
-              <a:rPr lang="hu-HU" sz="1800" dirty="0">
+              <a:rPr lang="hu-HU" dirty="0">
                 <a:effectLst/>
                 <a:latin typeface="NimbusRomNo9L"/>
               </a:rPr>
               <a:t>), </a:t>
             </a:r>
             <a:r>
-              <a:rPr lang="hu-HU" sz="1800" dirty="0" err="1">
-                <a:effectLst/>
-                <a:latin typeface="NimbusRomNo9L"/>
-              </a:rPr>
-              <a:t>leuko</a:t>
-            </a:r>
-            <a:r>
-              <a:rPr lang="hu-HU" sz="1800" dirty="0">
-                <a:effectLst/>
-                <a:latin typeface="NimbusRomNo9L"/>
-              </a:rPr>
-              <a:t>- </a:t>
-            </a:r>
-            <a:r>
-              <a:rPr lang="hu-HU" sz="1800" dirty="0" err="1">
-                <a:effectLst/>
-                <a:latin typeface="NimbusRomNo9L"/>
-              </a:rPr>
-              <a:t>cytes</a:t>
-            </a:r>
-            <a:r>
-              <a:rPr lang="hu-HU" sz="1800" dirty="0">
-                <a:effectLst/>
-                <a:latin typeface="NimbusRomNo9L"/>
-              </a:rPr>
-              <a:t> (White </a:t>
-            </a:r>
-            <a:r>
-              <a:rPr lang="hu-HU" sz="1800" dirty="0" err="1">
+              <a:rPr lang="hu-HU" dirty="0" err="1">
+                <a:effectLst/>
+                <a:latin typeface="NimbusRomNo9L"/>
+              </a:rPr>
+              <a:t>leukocytes</a:t>
+            </a:r>
+            <a:r>
+              <a:rPr lang="hu-HU" dirty="0">
+                <a:effectLst/>
+                <a:latin typeface="NimbusRomNo9L"/>
+              </a:rPr>
+              <a:t> (</a:t>
+            </a:r>
+            <a:r>
+              <a:rPr lang="hu-HU" i="1" dirty="0">
+                <a:effectLst/>
+                <a:latin typeface="NimbusRomNo9L"/>
+              </a:rPr>
+              <a:t>White </a:t>
+            </a:r>
+            <a:r>
+              <a:rPr lang="hu-HU" i="1" dirty="0" err="1">
                 <a:effectLst/>
                 <a:latin typeface="NimbusRomNo9L"/>
               </a:rPr>
               <a:t>Blood</a:t>
             </a:r>
             <a:r>
-              <a:rPr lang="hu-HU" sz="1800" dirty="0">
+              <a:rPr lang="hu-HU" i="1" dirty="0">
                 <a:effectLst/>
                 <a:latin typeface="NimbusRomNo9L"/>
               </a:rPr>
               <a:t> </a:t>
             </a:r>
             <a:r>
-              <a:rPr lang="hu-HU" sz="1800" dirty="0" err="1">
+              <a:rPr lang="hu-HU" i="1" dirty="0" err="1">
                 <a:effectLst/>
                 <a:latin typeface="NimbusRomNo9L"/>
               </a:rPr>
               <a:t>Cells</a:t>
             </a:r>
             <a:r>
-              <a:rPr lang="hu-HU" sz="1800" dirty="0">
+              <a:rPr lang="hu-HU" i="1" dirty="0">
                 <a:effectLst/>
                 <a:latin typeface="NimbusRomNo9L"/>
               </a:rPr>
               <a:t> </a:t>
             </a:r>
             <a:r>
-              <a:rPr lang="hu-HU" sz="1800" dirty="0" err="1">
+              <a:rPr lang="hu-HU" dirty="0" err="1">
                 <a:effectLst/>
                 <a:latin typeface="NimbusRomNo9L"/>
               </a:rPr>
               <a:t>or</a:t>
             </a:r>
             <a:r>
-              <a:rPr lang="hu-HU" sz="1800" dirty="0">
+              <a:rPr lang="hu-HU" dirty="0">
                 <a:effectLst/>
                 <a:latin typeface="NimbusRomNo9L"/>
               </a:rPr>
               <a:t> </a:t>
             </a:r>
             <a:r>
-              <a:rPr lang="hu-HU" sz="4000" dirty="0">
+              <a:rPr lang="hu-HU" b="1" dirty="0">
                 <a:effectLst/>
                 <a:latin typeface="NimbusRomNo9L"/>
               </a:rPr>
               <a:t>WBC</a:t>
             </a:r>
             <a:r>
-              <a:rPr lang="hu-HU" sz="1800" dirty="0">
+              <a:rPr lang="hu-HU" dirty="0">
                 <a:effectLst/>
                 <a:latin typeface="NimbusRomNo9L"/>
               </a:rPr>
               <a:t> </a:t>
             </a:r>
             <a:r>
-              <a:rPr lang="hu-HU" sz="1800" dirty="0" err="1">
+              <a:rPr lang="hu-HU" dirty="0" err="1">
                 <a:effectLst/>
                 <a:latin typeface="NimbusRomNo9L"/>
               </a:rPr>
               <a:t>short</a:t>
             </a:r>
             <a:r>
-              <a:rPr lang="hu-HU" sz="1800" dirty="0">
+              <a:rPr lang="hu-HU" dirty="0">
                 <a:effectLst/>
                 <a:latin typeface="NimbusRomNo9L"/>
               </a:rPr>
               <a:t>) and </a:t>
             </a:r>
             <a:r>
-              <a:rPr lang="hu-HU" sz="2400" dirty="0" err="1">
+              <a:rPr lang="hu-HU" b="1" dirty="0" err="1">
                 <a:effectLst/>
                 <a:latin typeface="NimbusRomNo9L"/>
               </a:rPr>
               <a:t>thrombocytes</a:t>
             </a:r>
             <a:r>
-              <a:rPr lang="hu-HU" sz="1800" dirty="0">
+              <a:rPr lang="hu-HU" dirty="0">
                 <a:effectLst/>
                 <a:latin typeface="NimbusRomNo9L"/>
               </a:rPr>
@@ -4296,6 +4315,14 @@
               <a:rPr lang="hu-HU" dirty="0" err="1"/>
               <a:t>analyzis</a:t>
             </a:r>
+            <a:r>
+              <a:rPr lang="hu-HU" dirty="0"/>
+              <a:t> </a:t>
+            </a:r>
+            <a:r>
+              <a:rPr lang="hu-HU" dirty="0" err="1"/>
+              <a:t>purpose</a:t>
+            </a:r>
             <a:endParaRPr lang="hu-HU" dirty="0"/>
           </a:p>
         </p:txBody>
@@ -4318,331 +4345,219 @@
         </p:nvSpPr>
         <p:spPr/>
         <p:txBody>
-          <a:bodyPr/>
-          <a:lstStyle/>
-          <a:p>
-            <a:r>
-              <a:rPr lang="hu-HU" dirty="0" err="1">
-                <a:effectLst/>
-                <a:latin typeface="NimbusRomNo9L"/>
-              </a:rPr>
-              <a:t>There</a:t>
-            </a:r>
-            <a:r>
-              <a:rPr lang="hu-HU" dirty="0">
+          <a:bodyPr>
+            <a:normAutofit/>
+          </a:bodyPr>
+          <a:lstStyle/>
+          <a:p>
+            <a:r>
+              <a:rPr lang="hu-HU" b="0" dirty="0">
+                <a:effectLst/>
+                <a:latin typeface="NimbusRomNo9L"/>
+              </a:rPr>
+              <a:t>WBC </a:t>
+            </a:r>
+            <a:r>
+              <a:rPr lang="hu-HU" b="0" dirty="0" err="1">
+                <a:effectLst/>
+                <a:latin typeface="NimbusRomNo9L"/>
+              </a:rPr>
+              <a:t>early</a:t>
+            </a:r>
+            <a:r>
+              <a:rPr lang="hu-HU" b="0" dirty="0">
                 <a:effectLst/>
                 <a:latin typeface="NimbusRomNo9L"/>
               </a:rPr>
               <a:t> </a:t>
             </a:r>
             <a:r>
-              <a:rPr lang="hu-HU" dirty="0" err="1">
-                <a:effectLst/>
-                <a:latin typeface="NimbusRomNo9L"/>
-              </a:rPr>
-              <a:t>are</a:t>
-            </a:r>
-            <a:r>
-              <a:rPr lang="hu-HU" dirty="0">
+              <a:rPr lang="hu-HU" b="0" dirty="0" err="1">
+                <a:effectLst/>
+                <a:latin typeface="NimbusRomNo9L"/>
+              </a:rPr>
+              <a:t>diagnosis</a:t>
+            </a:r>
+            <a:r>
+              <a:rPr lang="hu-HU" b="0" dirty="0">
+                <a:effectLst/>
+                <a:latin typeface="NimbusRomNo9L"/>
+              </a:rPr>
+              <a:t> of </a:t>
+            </a:r>
+            <a:r>
+              <a:rPr lang="hu-HU" b="0" dirty="0" err="1">
+                <a:effectLst/>
+                <a:latin typeface="NimbusRomNo9L"/>
+              </a:rPr>
+              <a:t>severe</a:t>
+            </a:r>
+            <a:r>
+              <a:rPr lang="hu-HU" b="0" dirty="0">
                 <a:effectLst/>
                 <a:latin typeface="NimbusRomNo9L"/>
               </a:rPr>
               <a:t> </a:t>
             </a:r>
             <a:r>
-              <a:rPr lang="hu-HU" dirty="0" err="1">
-                <a:effectLst/>
-                <a:latin typeface="NimbusRomNo9L"/>
-              </a:rPr>
-              <a:t>several</a:t>
-            </a:r>
-            <a:r>
-              <a:rPr lang="hu-HU" dirty="0">
+              <a:rPr lang="hu-HU" b="0" dirty="0" err="1">
+                <a:effectLst/>
+                <a:latin typeface="NimbusRomNo9L"/>
+              </a:rPr>
+              <a:t>diseases</a:t>
+            </a:r>
+            <a:r>
+              <a:rPr lang="hu-HU" b="0" dirty="0">
+                <a:effectLst/>
+                <a:latin typeface="NimbusRomNo9L"/>
+              </a:rPr>
+              <a:t>, like </a:t>
+            </a:r>
+            <a:r>
+              <a:rPr lang="hu-HU" b="0" dirty="0" err="1">
+                <a:effectLst/>
+                <a:latin typeface="NimbusRomNo9L"/>
+              </a:rPr>
+              <a:t>leukemia</a:t>
+            </a:r>
+            <a:r>
+              <a:rPr lang="hu-HU" b="0" dirty="0">
+                <a:effectLst/>
+                <a:latin typeface="NimbusRomNo9L"/>
+              </a:rPr>
+              <a:t> and </a:t>
+            </a:r>
+            <a:r>
+              <a:rPr lang="hu-HU" b="0" dirty="0" err="1">
+                <a:effectLst/>
+                <a:latin typeface="NimbusRomNo9L"/>
+              </a:rPr>
+              <a:t>others</a:t>
+            </a:r>
+            <a:r>
+              <a:rPr lang="hu-HU" b="0" dirty="0">
+                <a:effectLst/>
+                <a:latin typeface="NimbusRomNo9L"/>
+              </a:rPr>
+              <a:t>, </a:t>
+            </a:r>
+            <a:r>
+              <a:rPr lang="hu-HU" b="0" dirty="0" err="1">
+                <a:effectLst/>
+                <a:latin typeface="NimbusRomNo9L"/>
+              </a:rPr>
+              <a:t>can</a:t>
+            </a:r>
+            <a:r>
+              <a:rPr lang="hu-HU" b="0" dirty="0">
+                <a:effectLst/>
+                <a:latin typeface="NimbusRomNo9L"/>
+              </a:rPr>
+              <a:t> be </a:t>
+            </a:r>
+            <a:r>
+              <a:rPr lang="hu-HU" b="0" dirty="0" err="1">
+                <a:effectLst/>
+                <a:latin typeface="NimbusRomNo9L"/>
+              </a:rPr>
+              <a:t>established</a:t>
+            </a:r>
+            <a:endParaRPr lang="hu-HU" dirty="0">
+              <a:latin typeface="NimbusRomNo9L"/>
+            </a:endParaRPr>
+          </a:p>
+          <a:p>
+            <a:r>
+              <a:rPr lang="hu-HU" b="0" dirty="0" err="1">
+                <a:effectLst/>
+                <a:latin typeface="NimbusRomNo9L"/>
+              </a:rPr>
+              <a:t>manual</a:t>
+            </a:r>
+            <a:r>
+              <a:rPr lang="hu-HU" b="0" dirty="0">
                 <a:effectLst/>
                 <a:latin typeface="NimbusRomNo9L"/>
               </a:rPr>
               <a:t> </a:t>
             </a:r>
             <a:r>
-              <a:rPr lang="hu-HU" dirty="0" err="1">
-                <a:effectLst/>
-                <a:latin typeface="NimbusRomNo9L"/>
-              </a:rPr>
-              <a:t>proposed</a:t>
-            </a:r>
-            <a:r>
-              <a:rPr lang="hu-HU" dirty="0">
+              <a:rPr lang="hu-HU" b="0" dirty="0" err="1">
+                <a:effectLst/>
+                <a:latin typeface="NimbusRomNo9L"/>
+              </a:rPr>
+              <a:t>blood</a:t>
+            </a:r>
+            <a:r>
+              <a:rPr lang="hu-HU" b="0" dirty="0">
                 <a:effectLst/>
                 <a:latin typeface="NimbusRomNo9L"/>
               </a:rPr>
               <a:t> </a:t>
             </a:r>
             <a:r>
-              <a:rPr lang="hu-HU" dirty="0" err="1">
-                <a:effectLst/>
-                <a:latin typeface="NimbusRomNo9L"/>
-              </a:rPr>
-              <a:t>methods</a:t>
-            </a:r>
-            <a:r>
-              <a:rPr lang="hu-HU" dirty="0">
+              <a:rPr lang="hu-HU" b="0" dirty="0" err="1">
+                <a:effectLst/>
+                <a:latin typeface="NimbusRomNo9L"/>
+              </a:rPr>
+              <a:t>sample</a:t>
+            </a:r>
+            <a:r>
+              <a:rPr lang="hu-HU" b="0" dirty="0">
                 <a:effectLst/>
                 <a:latin typeface="NimbusRomNo9L"/>
               </a:rPr>
               <a:t> </a:t>
             </a:r>
             <a:r>
-              <a:rPr lang="hu-HU" dirty="0" err="1">
-                <a:effectLst/>
-                <a:latin typeface="NimbusRomNo9L"/>
-              </a:rPr>
-              <a:t>to</a:t>
-            </a:r>
-            <a:r>
-              <a:rPr lang="hu-HU" dirty="0">
+              <a:rPr lang="hu-HU" b="0" dirty="0" err="1">
+                <a:effectLst/>
+                <a:latin typeface="NimbusRomNo9L"/>
+              </a:rPr>
+              <a:t>analysis</a:t>
+            </a:r>
+            <a:r>
+              <a:rPr lang="hu-HU" b="0" dirty="0">
+                <a:effectLst/>
+                <a:latin typeface="NimbusRomNo9L"/>
+              </a:rPr>
+              <a:t> is </a:t>
+            </a:r>
+            <a:r>
+              <a:rPr lang="hu-HU" b="0" dirty="0" err="1">
+                <a:effectLst/>
+                <a:latin typeface="NimbusRomNo9L"/>
+              </a:rPr>
+              <a:t>very</a:t>
+            </a:r>
+            <a:r>
+              <a:rPr lang="hu-HU" b="0" dirty="0">
                 <a:effectLst/>
                 <a:latin typeface="NimbusRomNo9L"/>
               </a:rPr>
               <a:t> </a:t>
             </a:r>
             <a:r>
-              <a:rPr lang="hu-HU" dirty="0" err="1">
-                <a:effectLst/>
-                <a:latin typeface="NimbusRomNo9L"/>
-              </a:rPr>
-              <a:t>count</a:t>
-            </a:r>
-            <a:r>
-              <a:rPr lang="hu-HU" dirty="0">
-                <a:effectLst/>
-                <a:latin typeface="NimbusRomNo9L"/>
-              </a:rPr>
-              <a:t> </a:t>
-            </a:r>
-            <a:r>
-              <a:rPr lang="hu-HU" dirty="0" err="1">
-                <a:effectLst/>
-                <a:latin typeface="NimbusRomNo9L"/>
-              </a:rPr>
-              <a:t>WBCs</a:t>
-            </a:r>
-            <a:r>
-              <a:rPr lang="hu-HU" dirty="0">
-                <a:effectLst/>
-                <a:latin typeface="NimbusRomNo9L"/>
-              </a:rPr>
-              <a:t> </a:t>
-            </a:r>
-            <a:r>
-              <a:rPr lang="hu-HU" dirty="0" err="1">
-                <a:effectLst/>
-                <a:latin typeface="NimbusRomNo9L"/>
-              </a:rPr>
-              <a:t>that</a:t>
-            </a:r>
-            <a:r>
-              <a:rPr lang="hu-HU" dirty="0">
-                <a:effectLst/>
-                <a:latin typeface="NimbusRomNo9L"/>
-              </a:rPr>
-              <a:t> </a:t>
-            </a:r>
-            <a:r>
-              <a:rPr lang="hu-HU" dirty="0" err="1">
-                <a:effectLst/>
-                <a:latin typeface="NimbusRomNo9L"/>
-              </a:rPr>
-              <a:t>involve</a:t>
-            </a:r>
-            <a:r>
-              <a:rPr lang="hu-HU" dirty="0">
-                <a:effectLst/>
-                <a:latin typeface="NimbusRomNo9L"/>
-              </a:rPr>
-              <a:t> </a:t>
-            </a:r>
-            <a:r>
-              <a:rPr lang="hu-HU" dirty="0" err="1">
-                <a:effectLst/>
-                <a:latin typeface="NimbusRomNo9L"/>
-              </a:rPr>
-              <a:t>different</a:t>
-            </a:r>
-            <a:r>
-              <a:rPr lang="hu-HU" dirty="0">
-                <a:effectLst/>
-                <a:latin typeface="NimbusRomNo9L"/>
-              </a:rPr>
-              <a:t> </a:t>
-            </a:r>
-            <a:r>
-              <a:rPr lang="hu-HU" dirty="0" err="1">
-                <a:effectLst/>
-                <a:latin typeface="NimbusRomNo9L"/>
-              </a:rPr>
-              <a:t>Machine</a:t>
-            </a:r>
-            <a:r>
-              <a:rPr lang="hu-HU" dirty="0">
-                <a:effectLst/>
-                <a:latin typeface="NimbusRomNo9L"/>
-              </a:rPr>
-              <a:t> </a:t>
-            </a:r>
-            <a:r>
-              <a:rPr lang="hu-HU" dirty="0" err="1">
-                <a:effectLst/>
-                <a:latin typeface="NimbusRomNo9L"/>
-              </a:rPr>
-              <a:t>Learning</a:t>
-            </a:r>
-            <a:r>
-              <a:rPr lang="hu-HU" dirty="0">
-                <a:effectLst/>
-                <a:latin typeface="NimbusRomNo9L"/>
-              </a:rPr>
-              <a:t>(</a:t>
-            </a:r>
-            <a:r>
-              <a:rPr lang="hu-HU" sz="4000" dirty="0">
-                <a:effectLst/>
-                <a:latin typeface="NimbusRomNo9L"/>
-              </a:rPr>
-              <a:t>ML</a:t>
-            </a:r>
-            <a:r>
-              <a:rPr lang="hu-HU" dirty="0">
-                <a:effectLst/>
-                <a:latin typeface="NimbusRomNo9L"/>
-              </a:rPr>
-              <a:t>) </a:t>
-            </a:r>
-            <a:r>
-              <a:rPr lang="hu-HU" dirty="0" err="1">
-                <a:effectLst/>
-                <a:latin typeface="NimbusRomNo9L"/>
-              </a:rPr>
-              <a:t>techniques</a:t>
-            </a:r>
-            <a:r>
-              <a:rPr lang="hu-HU" dirty="0">
-                <a:effectLst/>
-                <a:latin typeface="NimbusRomNo9L"/>
-              </a:rPr>
-              <a:t>, </a:t>
-            </a:r>
-            <a:r>
-              <a:rPr lang="hu-HU" dirty="0" err="1">
-                <a:effectLst/>
-                <a:latin typeface="NimbusRomNo9L"/>
-              </a:rPr>
-              <a:t>mainly</a:t>
-            </a:r>
-            <a:r>
-              <a:rPr lang="hu-HU" dirty="0">
-                <a:effectLst/>
-                <a:latin typeface="NimbusRomNo9L"/>
-              </a:rPr>
-              <a:t> </a:t>
-            </a:r>
-            <a:r>
-              <a:rPr lang="hu-HU" dirty="0" err="1">
-                <a:effectLst/>
-                <a:latin typeface="NimbusRomNo9L"/>
-              </a:rPr>
-              <a:t>the</a:t>
-            </a:r>
-            <a:r>
-              <a:rPr lang="hu-HU" dirty="0">
-                <a:effectLst/>
-                <a:latin typeface="NimbusRomNo9L"/>
-              </a:rPr>
-              <a:t> </a:t>
-            </a:r>
-            <a:r>
-              <a:rPr lang="hu-HU" dirty="0" err="1">
-                <a:effectLst/>
-                <a:latin typeface="NimbusRomNo9L"/>
-              </a:rPr>
-              <a:t>usage</a:t>
-            </a:r>
-            <a:r>
-              <a:rPr lang="hu-HU" dirty="0">
-                <a:effectLst/>
-                <a:latin typeface="NimbusRomNo9L"/>
-              </a:rPr>
-              <a:t> of </a:t>
-            </a:r>
-            <a:r>
-              <a:rPr lang="hu-HU" dirty="0" err="1">
-                <a:effectLst/>
-                <a:latin typeface="NimbusRomNo9L"/>
-              </a:rPr>
-              <a:t>Convolutional</a:t>
-            </a:r>
-            <a:r>
-              <a:rPr lang="hu-HU" dirty="0">
-                <a:effectLst/>
-                <a:latin typeface="NimbusRomNo9L"/>
-              </a:rPr>
-              <a:t> </a:t>
-            </a:r>
-            <a:r>
-              <a:rPr lang="hu-HU" dirty="0" err="1">
-                <a:effectLst/>
-                <a:latin typeface="NimbusRomNo9L"/>
-              </a:rPr>
-              <a:t>Neural</a:t>
-            </a:r>
-            <a:r>
-              <a:rPr lang="hu-HU" dirty="0">
-                <a:effectLst/>
-                <a:latin typeface="NimbusRomNo9L"/>
-              </a:rPr>
-              <a:t> </a:t>
-            </a:r>
-            <a:r>
-              <a:rPr lang="hu-HU" dirty="0" err="1">
-                <a:effectLst/>
-                <a:latin typeface="NimbusRomNo9L"/>
-              </a:rPr>
-              <a:t>Networks</a:t>
-            </a:r>
-            <a:r>
-              <a:rPr lang="hu-HU" dirty="0">
-                <a:effectLst/>
-                <a:latin typeface="NimbusRomNo9L"/>
-              </a:rPr>
-              <a:t>(</a:t>
-            </a:r>
-            <a:r>
-              <a:rPr lang="hu-HU" sz="4000" dirty="0">
-                <a:effectLst/>
-                <a:latin typeface="NimbusRomNo9L"/>
-              </a:rPr>
-              <a:t>CNN</a:t>
-            </a:r>
-            <a:r>
-              <a:rPr lang="hu-HU" dirty="0">
-                <a:effectLst/>
-                <a:latin typeface="NimbusRomNo9L"/>
-              </a:rPr>
-              <a:t>). </a:t>
-            </a:r>
-          </a:p>
-          <a:p>
-            <a:r>
-              <a:rPr lang="hu-HU" dirty="0">
-                <a:latin typeface="NimbusRomNo9L"/>
-              </a:rPr>
-              <a:t>AI(ML(DL(CNN)))</a:t>
-            </a:r>
-            <a:endParaRPr lang="hu-HU" dirty="0"/>
-          </a:p>
-          <a:p>
-            <a:pPr marL="0" indent="0">
-              <a:buNone/>
-            </a:pPr>
+              <a:rPr lang="hu-HU" b="0" dirty="0" err="1">
+                <a:effectLst/>
+                <a:latin typeface="NimbusRomNo9L"/>
+              </a:rPr>
+              <a:t>time</a:t>
+            </a:r>
+            <a:r>
+              <a:rPr lang="hu-HU" b="0" dirty="0">
+                <a:effectLst/>
+                <a:latin typeface="NimbusRomNo9L"/>
+              </a:rPr>
+              <a:t> consuming and </a:t>
+            </a:r>
+            <a:r>
+              <a:rPr lang="hu-HU" b="0" dirty="0" err="1">
+                <a:effectLst/>
+                <a:latin typeface="NimbusRomNo9L"/>
+              </a:rPr>
+              <a:t>costly</a:t>
+            </a:r>
             <a:endParaRPr lang="hu-HU" dirty="0"/>
           </a:p>
         </p:txBody>
@@ -4682,7 +4597,7 @@
           <p:cNvPr id="2" name="Cím 1">
             <a:extLst>
               <a:ext uri="{FF2B5EF4-FFF2-40B4-BE49-F238E27FC236}">
-                <a16:creationId xmlns:a16="http://schemas.microsoft.com/office/drawing/2014/main" id="{3A835D33-275D-BDA8-A971-8EE8DC56580A}"/>
+                <a16:creationId xmlns:a16="http://schemas.microsoft.com/office/drawing/2014/main" id="{BE7913F0-78BA-690D-D30D-A1EE263015C3}"/>
               </a:ext>
             </a:extLst>
           </p:cNvPr>
@@ -4700,11 +4615,19 @@
           <a:p>
             <a:r>
               <a:rPr lang="hu-HU" dirty="0"/>
-              <a:t>Technologies </a:t>
+              <a:t>WBC </a:t>
             </a:r>
             <a:r>
               <a:rPr lang="hu-HU" dirty="0" err="1"/>
-              <a:t>used</a:t>
+              <a:t>analyzis</a:t>
+            </a:r>
+            <a:r>
+              <a:rPr lang="hu-HU" dirty="0"/>
+              <a:t> </a:t>
+            </a:r>
+            <a:r>
+              <a:rPr lang="hu-HU" dirty="0" err="1"/>
+              <a:t>steps</a:t>
             </a:r>
             <a:endParaRPr lang="hu-HU" dirty="0"/>
           </a:p>
@@ -4715,7 +4638,7 @@
           <p:cNvPr id="3" name="Tartalom helye 2">
             <a:extLst>
               <a:ext uri="{FF2B5EF4-FFF2-40B4-BE49-F238E27FC236}">
-                <a16:creationId xmlns:a16="http://schemas.microsoft.com/office/drawing/2014/main" id="{B79F71D5-4B9C-AA70-1A1B-5D3C44CF1AB6}"/>
+                <a16:creationId xmlns:a16="http://schemas.microsoft.com/office/drawing/2014/main" id="{832CCC14-F3B3-0598-ABB8-F3F9AA681959}"/>
               </a:ext>
             </a:extLst>
           </p:cNvPr>
@@ -4728,56 +4651,149 @@
         </p:nvSpPr>
         <p:spPr/>
         <p:txBody>
-          <a:bodyPr/>
-          <a:lstStyle/>
-          <a:p>
+          <a:bodyPr>
+            <a:noAutofit/>
+          </a:bodyPr>
+          <a:lstStyle/>
+          <a:p>
+            <a:r>
+              <a:rPr lang="hu-HU" dirty="0" err="1"/>
+              <a:t>Preprocessing</a:t>
+            </a:r>
+            <a:endParaRPr lang="hu-HU" dirty="0"/>
+          </a:p>
+          <a:p>
+            <a:pPr lvl="1"/>
+            <a:r>
+              <a:rPr lang="hu-HU" sz="2800" dirty="0"/>
+              <a:t>CLAHE</a:t>
+            </a:r>
+          </a:p>
+          <a:p>
+            <a:r>
+              <a:rPr lang="hu-HU" dirty="0" err="1"/>
+              <a:t>Feature</a:t>
+            </a:r>
+            <a:r>
+              <a:rPr lang="hu-HU" dirty="0"/>
+              <a:t> </a:t>
+            </a:r>
+            <a:r>
+              <a:rPr lang="hu-HU" dirty="0" err="1"/>
+              <a:t>extraction</a:t>
+            </a:r>
+            <a:endParaRPr lang="hu-HU" dirty="0"/>
+          </a:p>
+          <a:p>
+            <a:pPr lvl="1"/>
             <a:r>
               <a:rPr lang="hu-HU" sz="2800" dirty="0">
-                <a:effectLst/>
                 <a:latin typeface="Arial" panose="020B0604020202020204" pitchFamily="34" charset="0"/>
                 <a:cs typeface="Arial" panose="020B0604020202020204" pitchFamily="34" charset="0"/>
               </a:rPr>
-              <a:t>ResNet50V1 </a:t>
-            </a:r>
-            <a:r>
-              <a:rPr lang="hu-HU" sz="2800" dirty="0" err="1">
+              <a:t>ResNet50V2</a:t>
+            </a:r>
+          </a:p>
+          <a:p>
+            <a:pPr lvl="1"/>
+            <a:r>
+              <a:rPr lang="hu-HU" sz="2800" dirty="0">
                 <a:effectLst/>
                 <a:latin typeface="Arial" panose="020B0604020202020204" pitchFamily="34" charset="0"/>
                 <a:cs typeface="Arial" panose="020B0604020202020204" pitchFamily="34" charset="0"/>
               </a:rPr>
-              <a:t>vs</a:t>
-            </a:r>
+              <a:t>EfficientNetB0</a:t>
+            </a:r>
+          </a:p>
+          <a:p>
+            <a:pPr lvl="1"/>
             <a:r>
               <a:rPr lang="hu-HU" sz="2800" dirty="0">
-                <a:effectLst/>
                 <a:latin typeface="Arial" panose="020B0604020202020204" pitchFamily="34" charset="0"/>
                 <a:cs typeface="Arial" panose="020B0604020202020204" pitchFamily="34" charset="0"/>
               </a:rPr>
-              <a:t> ResNet50V2</a:t>
-            </a:r>
-          </a:p>
-          <a:p>
-            <a:r>
-              <a:rPr lang="hu-HU" sz="1800" dirty="0">
-                <a:effectLst/>
-                <a:latin typeface="NimbusRomNo9L"/>
-              </a:rPr>
-              <a:t>ACO </a:t>
+              <a:t>4</a:t>
+            </a:r>
+            <a:r>
+              <a:rPr lang="hu-HU" sz="2800" dirty="0">
+                <a:effectLst/>
+                <a:latin typeface="Arial" panose="020B0604020202020204" pitchFamily="34" charset="0"/>
+                <a:cs typeface="Arial" panose="020B0604020202020204" pitchFamily="34" charset="0"/>
+              </a:rPr>
+              <a:t>B- </a:t>
+            </a:r>
+            <a:r>
+              <a:rPr lang="hu-HU" sz="2800" dirty="0" err="1">
+                <a:effectLst/>
+                <a:latin typeface="Arial" panose="020B0604020202020204" pitchFamily="34" charset="0"/>
+                <a:cs typeface="Arial" panose="020B0604020202020204" pitchFamily="34" charset="0"/>
+              </a:rPr>
+              <a:t>AdditionNet</a:t>
+            </a:r>
+            <a:endParaRPr lang="hu-HU" sz="2800" dirty="0">
+              <a:effectLst/>
+              <a:latin typeface="Arial" panose="020B0604020202020204" pitchFamily="34" charset="0"/>
+              <a:cs typeface="Arial" panose="020B0604020202020204" pitchFamily="34" charset="0"/>
+            </a:endParaRPr>
+          </a:p>
+          <a:p>
+            <a:r>
+              <a:rPr lang="hu-HU" dirty="0" err="1"/>
+              <a:t>Feature</a:t>
+            </a:r>
+            <a:r>
+              <a:rPr lang="hu-HU" dirty="0"/>
+              <a:t> </a:t>
+            </a:r>
+            <a:r>
+              <a:rPr lang="hu-HU" dirty="0" err="1"/>
+              <a:t>selection</a:t>
             </a:r>
             <a:endParaRPr lang="hu-HU" dirty="0"/>
           </a:p>
           <a:p>
-            <a:r>
-              <a:rPr lang="hu-HU" dirty="0"/>
-              <a:t>...</a:t>
-            </a:r>
+            <a:pPr lvl="1"/>
+            <a:r>
+              <a:rPr lang="hu-HU" sz="2800" dirty="0"/>
+              <a:t>ACO</a:t>
+            </a:r>
+            <a:r>
+              <a:rPr lang="hu-HU" sz="2800" dirty="0">
+                <a:effectLst/>
+                <a:latin typeface="Arial" panose="020B0604020202020204" pitchFamily="34" charset="0"/>
+                <a:cs typeface="Arial" panose="020B0604020202020204" pitchFamily="34" charset="0"/>
+              </a:rPr>
+              <a:t> </a:t>
+            </a:r>
+          </a:p>
+          <a:p>
+            <a:r>
+              <a:rPr lang="hu-HU" dirty="0" err="1"/>
+              <a:t>Classification</a:t>
+            </a:r>
+            <a:endParaRPr lang="hu-HU" dirty="0"/>
+          </a:p>
+          <a:p>
+            <a:pPr lvl="1"/>
+            <a:r>
+              <a:rPr lang="hu-HU" sz="2800" dirty="0">
+                <a:effectLst/>
+                <a:latin typeface="NimbusRomNo9L"/>
+              </a:rPr>
+              <a:t>LSVM, CSVM, QSVM, LDA, FKNN, CKNN</a:t>
+            </a:r>
+            <a:endParaRPr lang="hu-HU" sz="2800" dirty="0">
+              <a:effectLst/>
+              <a:latin typeface="Arial" panose="020B0604020202020204" pitchFamily="34" charset="0"/>
+              <a:cs typeface="Arial" panose="020B0604020202020204" pitchFamily="34" charset="0"/>
+            </a:endParaRPr>
           </a:p>
         </p:txBody>
       </p:sp>
     </p:spTree>
     <p:extLst>
       <p:ext uri="{BB962C8B-B14F-4D97-AF65-F5344CB8AC3E}">
-        <p14:creationId xmlns:p14="http://schemas.microsoft.com/office/powerpoint/2010/main" val="1814466087"/>
+        <p14:creationId xmlns:p14="http://schemas.microsoft.com/office/powerpoint/2010/main" val="4088668893"/>
       </p:ext>
     </p:extLst>
   </p:cSld>
@@ -4809,7 +4825,7 @@
           <p:cNvPr id="2" name="Cím 1">
             <a:extLst>
               <a:ext uri="{FF2B5EF4-FFF2-40B4-BE49-F238E27FC236}">
-                <a16:creationId xmlns:a16="http://schemas.microsoft.com/office/drawing/2014/main" id="{E713F635-CEEA-3988-76EF-3D466987FA09}"/>
+                <a16:creationId xmlns:a16="http://schemas.microsoft.com/office/drawing/2014/main" id="{3A835D33-275D-BDA8-A971-8EE8DC56580A}"/>
               </a:ext>
             </a:extLst>
           </p:cNvPr>
@@ -4838,7 +4854,7 @@
           <p:cNvPr id="3" name="Tartalom helye 2">
             <a:extLst>
               <a:ext uri="{FF2B5EF4-FFF2-40B4-BE49-F238E27FC236}">
-                <a16:creationId xmlns:a16="http://schemas.microsoft.com/office/drawing/2014/main" id="{05294C5E-A1FF-E14D-7677-ACAC7414B542}"/>
+                <a16:creationId xmlns:a16="http://schemas.microsoft.com/office/drawing/2014/main" id="{B79F71D5-4B9C-AA70-1A1B-5D3C44CF1AB6}"/>
               </a:ext>
             </a:extLst>
           </p:cNvPr>
@@ -4851,46 +4867,206 @@
         </p:nvSpPr>
         <p:spPr/>
         <p:txBody>
-          <a:bodyPr/>
-          <a:lstStyle/>
-          <a:p>
+          <a:bodyPr>
+            <a:normAutofit/>
+          </a:bodyPr>
+          <a:lstStyle/>
+          <a:p>
+            <a:r>
+              <a:rPr lang="hu-HU" sz="1800" dirty="0" err="1">
+                <a:effectLst/>
+                <a:latin typeface="NimbusRomNo9L"/>
+              </a:rPr>
+              <a:t>Blood</a:t>
+            </a:r>
             <a:r>
               <a:rPr lang="hu-HU" sz="1800" dirty="0">
                 <a:effectLst/>
                 <a:latin typeface="NimbusRomNo9L"/>
               </a:rPr>
-              <a:t>BCCD </a:t>
+              <a:t> </a:t>
+            </a:r>
+            <a:r>
+              <a:rPr lang="hu-HU" sz="1800" dirty="0" err="1">
+                <a:effectLst/>
+                <a:latin typeface="NimbusRomNo9L"/>
+              </a:rPr>
+              <a:t>Cell</a:t>
+            </a:r>
+            <a:r>
+              <a:rPr lang="hu-HU" sz="1800" dirty="0">
+                <a:effectLst/>
+                <a:latin typeface="NimbusRomNo9L"/>
+              </a:rPr>
+              <a:t> </a:t>
+            </a:r>
+            <a:r>
+              <a:rPr lang="hu-HU" sz="1800" dirty="0" err="1">
+                <a:effectLst/>
+                <a:latin typeface="NimbusRomNo9L"/>
+              </a:rPr>
+              <a:t>Images</a:t>
+            </a:r>
+            <a:r>
+              <a:rPr lang="hu-HU" sz="1800" dirty="0">
+                <a:effectLst/>
+                <a:latin typeface="NimbusRomNo9L"/>
+              </a:rPr>
+              <a:t> </a:t>
+            </a:r>
+            <a:r>
+              <a:rPr lang="hu-HU" sz="1800" dirty="0" err="1">
+                <a:effectLst/>
+                <a:latin typeface="NimbusRomNo9L"/>
+              </a:rPr>
+              <a:t>dataset</a:t>
+            </a:r>
+            <a:r>
+              <a:rPr lang="hu-HU" sz="1800" dirty="0">
+                <a:effectLst/>
+                <a:latin typeface="NimbusRomNo9L"/>
+              </a:rPr>
+              <a:t>. </a:t>
+            </a:r>
+            <a:r>
+              <a:rPr lang="hu-HU" sz="1800" dirty="0" err="1">
+                <a:effectLst/>
+                <a:latin typeface="NimbusRomNo9L"/>
+              </a:rPr>
+              <a:t>This</a:t>
+            </a:r>
+            <a:r>
+              <a:rPr lang="hu-HU" sz="1800" dirty="0">
+                <a:effectLst/>
+                <a:latin typeface="NimbusRomNo9L"/>
+              </a:rPr>
+              <a:t> </a:t>
+            </a:r>
+            <a:r>
+              <a:rPr lang="hu-HU" sz="1800" dirty="0" err="1">
+                <a:effectLst/>
+                <a:latin typeface="NimbusRomNo9L"/>
+              </a:rPr>
+              <a:t>dataset</a:t>
+            </a:r>
+            <a:r>
+              <a:rPr lang="hu-HU" sz="1800" dirty="0">
+                <a:effectLst/>
+                <a:latin typeface="NimbusRomNo9L"/>
+              </a:rPr>
+              <a:t> is </a:t>
+            </a:r>
+            <a:r>
+              <a:rPr lang="hu-HU" sz="1800" dirty="0" err="1">
+                <a:effectLst/>
+                <a:latin typeface="NimbusRomNo9L"/>
+              </a:rPr>
+              <a:t>the</a:t>
+            </a:r>
+            <a:r>
+              <a:rPr lang="hu-HU" sz="1800" dirty="0">
+                <a:effectLst/>
+                <a:latin typeface="NimbusRomNo9L"/>
+              </a:rPr>
+              <a:t> </a:t>
+            </a:r>
+            <a:r>
+              <a:rPr lang="hu-HU" sz="1800" dirty="0" err="1">
+                <a:effectLst/>
+                <a:latin typeface="NimbusRomNo9L"/>
+              </a:rPr>
+              <a:t>augmented</a:t>
+            </a:r>
+            <a:r>
+              <a:rPr lang="hu-HU" sz="1800" dirty="0">
+                <a:effectLst/>
+                <a:latin typeface="NimbusRomNo9L"/>
+              </a:rPr>
+              <a:t> version of </a:t>
+            </a:r>
+            <a:r>
+              <a:rPr lang="hu-HU" sz="1800" dirty="0" err="1">
+                <a:effectLst/>
+                <a:latin typeface="NimbusRomNo9L"/>
+              </a:rPr>
+              <a:t>the</a:t>
+            </a:r>
+            <a:r>
+              <a:rPr lang="hu-HU" sz="1800" dirty="0">
+                <a:effectLst/>
+                <a:latin typeface="NimbusRomNo9L"/>
+              </a:rPr>
+              <a:t> BCCD </a:t>
+            </a:r>
+            <a:r>
+              <a:rPr lang="hu-HU" sz="1800" dirty="0" err="1">
+                <a:effectLst/>
+                <a:latin typeface="NimbusRomNo9L"/>
+              </a:rPr>
+              <a:t>dataset</a:t>
+            </a:r>
+            <a:r>
+              <a:rPr lang="hu-HU" sz="1800" dirty="0">
+                <a:effectLst/>
+                <a:latin typeface="NimbusRomNo9L"/>
+              </a:rPr>
+              <a:t>. </a:t>
             </a:r>
             <a:endParaRPr lang="hu-HU" dirty="0"/>
           </a:p>
-          <a:p>
-            <a:r>
-              <a:rPr lang="hu-HU" dirty="0"/>
-              <a:t>Extra </a:t>
-            </a:r>
-            <a:r>
-              <a:rPr lang="hu-HU" dirty="0" err="1"/>
-              <a:t>phone</a:t>
-            </a:r>
-            <a:r>
-              <a:rPr lang="hu-HU" dirty="0"/>
-              <a:t> </a:t>
-            </a:r>
-            <a:r>
-              <a:rPr lang="hu-HU" dirty="0" err="1"/>
-              <a:t>made</a:t>
-            </a:r>
-            <a:r>
-              <a:rPr lang="hu-HU" dirty="0"/>
-              <a:t> puffer</a:t>
-            </a:r>
-          </a:p>
-        </p:txBody>
-      </p:sp>
+        </p:txBody>
+      </p:sp>
+      <p:pic>
+        <p:nvPicPr>
+          <p:cNvPr id="1025" name="Picture 1" descr="page1image7572112">
+            <a:extLst>
+              <a:ext uri="{FF2B5EF4-FFF2-40B4-BE49-F238E27FC236}">
+                <a16:creationId xmlns:a16="http://schemas.microsoft.com/office/drawing/2014/main" id="{AF9F79D9-7CA3-5133-B5BA-E7B187CC4260}"/>
+              </a:ext>
+            </a:extLst>
+          </p:cNvPr>
+          <p:cNvPicPr>
+            <a:picLocks noChangeAspect="1" noChangeArrowheads="1"/>
+          </p:cNvPicPr>
+          <p:nvPr/>
+        </p:nvPicPr>
+        <p:blipFill>
+          <a:blip r:embed="rId2">
+            <a:extLst>
+              <a:ext uri="{28A0092B-C50C-407E-A947-70E740481C1C}">
+                <a14:useLocalDpi xmlns:a14="http://schemas.microsoft.com/office/drawing/2010/main" val="0"/>
+              </a:ext>
+            </a:extLst>
+          </a:blip>
+          <a:srcRect/>
+          <a:stretch>
+            <a:fillRect/>
+          </a:stretch>
+        </p:blipFill>
+        <p:spPr bwMode="auto">
+          <a:xfrm>
+            <a:off x="2529668" y="3410718"/>
+            <a:ext cx="8824132" cy="2901182"/>
+          </a:xfrm>
+          <a:prstGeom prst="rect">
+            <a:avLst/>
+          </a:prstGeom>
+          <a:noFill/>
+          <a:extLst>
+            <a:ext uri="{909E8E84-426E-40DD-AFC4-6F175D3DCCD1}">
+              <a14:hiddenFill xmlns:a14="http://schemas.microsoft.com/office/drawing/2010/main">
+                <a:solidFill>
+                  <a:srgbClr val="FFFFFF"/>
+                </a:solidFill>
+              </a14:hiddenFill>
+            </a:ext>
+          </a:extLst>
+        </p:spPr>
+      </p:pic>
     </p:spTree>
     <p:extLst>
       <p:ext uri="{BB962C8B-B14F-4D97-AF65-F5344CB8AC3E}">
-        <p14:creationId xmlns:p14="http://schemas.microsoft.com/office/powerpoint/2010/main" val="1758849739"/>
+        <p14:creationId xmlns:p14="http://schemas.microsoft.com/office/powerpoint/2010/main" val="1814466087"/>
       </p:ext>
     </p:extLst>
   </p:cSld>
@@ -4973,37 +5149,18 @@
             </a:r>
             <a:r>
               <a:rPr lang="hu-HU" dirty="0" err="1"/>
-              <a:t>efficiency</a:t>
-            </a:r>
+              <a:t>accuracy</a:t>
+            </a:r>
+            <a:endParaRPr lang="hu-HU" dirty="0"/>
+          </a:p>
+          <a:p>
             <a:r>
               <a:rPr lang="hu-HU" dirty="0"/>
-              <a:t> (</a:t>
+              <a:t>10 fold </a:t>
             </a:r>
             <a:r>
               <a:rPr lang="hu-HU" dirty="0" err="1"/>
-              <a:t>fake</a:t>
-            </a:r>
-            <a:r>
-              <a:rPr lang="hu-HU" dirty="0"/>
-              <a:t>)</a:t>
-            </a:r>
-          </a:p>
-          <a:p>
-            <a:r>
-              <a:rPr lang="hu-HU" dirty="0"/>
-              <a:t>21% GPU cost </a:t>
-            </a:r>
-            <a:r>
-              <a:rPr lang="hu-HU" dirty="0" err="1"/>
-              <a:t>reduction</a:t>
-            </a:r>
-            <a:r>
-              <a:rPr lang="hu-HU" dirty="0"/>
-              <a:t> (</a:t>
-            </a:r>
-            <a:r>
-              <a:rPr lang="hu-HU" dirty="0" err="1"/>
-              <a:t>also</a:t>
+              <a:t>decreased</a:t>
             </a:r>
             <a:r>
               <a:rPr lang="hu-HU" dirty="0"/>
@@ -5011,17 +5168,14 @@
             </a:r>
             <a:r>
               <a:rPr lang="hu-HU" dirty="0" err="1"/>
-              <a:t>fake</a:t>
-            </a:r>
-            <a:r>
-              <a:rPr lang="hu-HU" dirty="0"/>
-              <a:t>)</a:t>
-            </a:r>
+              <a:t>runtime</a:t>
+            </a:r>
+            <a:endParaRPr lang="hu-HU" dirty="0"/>
           </a:p>
           <a:p>
             <a:r>
               <a:rPr lang="hu-HU" dirty="0" err="1"/>
-              <a:t>Expandable</a:t>
+              <a:t>cheaper</a:t>
             </a:r>
             <a:r>
               <a:rPr lang="hu-HU" dirty="0"/>
@@ -5029,15 +5183,7 @@
             </a:r>
             <a:r>
               <a:rPr lang="hu-HU" dirty="0" err="1"/>
-              <a:t>dataset</a:t>
-            </a:r>
-            <a:r>
-              <a:rPr lang="hu-HU" dirty="0"/>
-              <a:t> (14% </a:t>
-            </a:r>
-            <a:r>
-              <a:rPr lang="hu-HU" dirty="0" err="1"/>
-              <a:t>self</a:t>
+              <a:t>analyzis</a:t>
             </a:r>
             <a:r>
               <a:rPr lang="hu-HU" dirty="0"/>
@@ -5045,81 +5191,106 @@
             </a:r>
             <a:r>
               <a:rPr lang="hu-HU" dirty="0" err="1"/>
-              <a:t>made</a:t>
-            </a:r>
-            <a:r>
-              <a:rPr lang="hu-HU" dirty="0"/>
-              <a:t> </a:t>
-            </a:r>
-            <a:r>
-              <a:rPr lang="hu-HU" dirty="0" err="1"/>
-              <a:t>blood</a:t>
-            </a:r>
-            <a:r>
-              <a:rPr lang="hu-HU" dirty="0"/>
-              <a:t> </a:t>
-            </a:r>
-            <a:r>
-              <a:rPr lang="hu-HU" dirty="0" err="1"/>
-              <a:t>examples</a:t>
-            </a:r>
-            <a:r>
-              <a:rPr lang="hu-HU" dirty="0"/>
-              <a:t> [</a:t>
-            </a:r>
-            <a:r>
-              <a:rPr lang="hu-HU" dirty="0" err="1"/>
-              <a:t>obvious</a:t>
-            </a:r>
-            <a:r>
-              <a:rPr lang="hu-HU" dirty="0"/>
-              <a:t> </a:t>
-            </a:r>
-            <a:r>
-              <a:rPr lang="hu-HU" dirty="0" err="1"/>
-              <a:t>fakeness</a:t>
-            </a:r>
-            <a:r>
-              <a:rPr lang="hu-HU" dirty="0"/>
-              <a:t>])</a:t>
-            </a:r>
-          </a:p>
-          <a:p>
-            <a:r>
-              <a:rPr lang="hu-HU" dirty="0" err="1"/>
-              <a:t>home</a:t>
-            </a:r>
-            <a:r>
-              <a:rPr lang="hu-HU" dirty="0"/>
-              <a:t> </a:t>
-            </a:r>
-            <a:r>
-              <a:rPr lang="hu-HU" dirty="0" err="1"/>
-              <a:t>analyzis</a:t>
-            </a:r>
-            <a:r>
-              <a:rPr lang="hu-HU" dirty="0"/>
-              <a:t> </a:t>
-            </a:r>
-            <a:r>
-              <a:rPr lang="hu-HU" dirty="0" err="1"/>
               <a:t>available</a:t>
             </a:r>
-            <a:r>
-              <a:rPr lang="hu-HU" dirty="0"/>
-              <a:t> [</a:t>
-            </a:r>
-            <a:r>
-              <a:rPr lang="hu-HU" dirty="0" err="1"/>
-              <a:t>fakest</a:t>
-            </a:r>
-            <a:r>
-              <a:rPr lang="hu-HU" dirty="0"/>
-              <a:t>]</a:t>
-            </a:r>
-          </a:p>
-        </p:txBody>
-      </p:sp>
+            <a:endParaRPr lang="hu-HU" dirty="0"/>
+          </a:p>
+        </p:txBody>
+      </p:sp>
+      <p:pic>
+        <p:nvPicPr>
+          <p:cNvPr id="2049" name="Picture 1" descr="page4image7589328">
+            <a:extLst>
+              <a:ext uri="{FF2B5EF4-FFF2-40B4-BE49-F238E27FC236}">
+                <a16:creationId xmlns:a16="http://schemas.microsoft.com/office/drawing/2014/main" id="{BCBCAEB4-06E4-86AB-B7C2-416E4718DB3E}"/>
+              </a:ext>
+            </a:extLst>
+          </p:cNvPr>
+          <p:cNvPicPr>
+            <a:picLocks noChangeAspect="1" noChangeArrowheads="1"/>
+          </p:cNvPicPr>
+          <p:nvPr/>
+        </p:nvPicPr>
+        <p:blipFill>
+          <a:blip r:embed="rId2">
+            <a:extLst>
+              <a:ext uri="{28A0092B-C50C-407E-A947-70E740481C1C}">
+                <a14:useLocalDpi xmlns:a14="http://schemas.microsoft.com/office/drawing/2010/main" val="0"/>
+              </a:ext>
+            </a:extLst>
+          </a:blip>
+          <a:srcRect/>
+          <a:stretch>
+            <a:fillRect/>
+          </a:stretch>
+        </p:blipFill>
+        <p:spPr bwMode="auto">
+          <a:xfrm>
+            <a:off x="5430650" y="1421998"/>
+            <a:ext cx="6761349" cy="2288122"/>
+          </a:xfrm>
+          <a:prstGeom prst="rect">
+            <a:avLst/>
+          </a:prstGeom>
+          <a:noFill/>
+          <a:extLst>
+            <a:ext uri="{909E8E84-426E-40DD-AFC4-6F175D3DCCD1}">
+              <a14:hiddenFill xmlns:a14="http://schemas.microsoft.com/office/drawing/2010/main">
+                <a:solidFill>
+                  <a:srgbClr val="FFFFFF"/>
+                </a:solidFill>
+              </a14:hiddenFill>
+            </a:ext>
+          </a:extLst>
+        </p:spPr>
+      </p:pic>
+      <p:pic>
+        <p:nvPicPr>
+          <p:cNvPr id="2050" name="Picture 2" descr="page4image7589952">
+            <a:extLst>
+              <a:ext uri="{FF2B5EF4-FFF2-40B4-BE49-F238E27FC236}">
+                <a16:creationId xmlns:a16="http://schemas.microsoft.com/office/drawing/2014/main" id="{0B97C12B-0F60-122B-C4DA-BA51EA7EBBF3}"/>
+              </a:ext>
+            </a:extLst>
+          </p:cNvPr>
+          <p:cNvPicPr>
+            <a:picLocks noChangeAspect="1" noChangeArrowheads="1"/>
+          </p:cNvPicPr>
+          <p:nvPr/>
+        </p:nvPicPr>
+        <p:blipFill>
+          <a:blip r:embed="rId3">
+            <a:extLst>
+              <a:ext uri="{28A0092B-C50C-407E-A947-70E740481C1C}">
+                <a14:useLocalDpi xmlns:a14="http://schemas.microsoft.com/office/drawing/2010/main" val="0"/>
+              </a:ext>
+            </a:extLst>
+          </a:blip>
+          <a:srcRect/>
+          <a:stretch>
+            <a:fillRect/>
+          </a:stretch>
+        </p:blipFill>
+        <p:spPr bwMode="auto">
+          <a:xfrm>
+            <a:off x="5430651" y="4001294"/>
+            <a:ext cx="6761349" cy="2369176"/>
+          </a:xfrm>
+          <a:prstGeom prst="rect">
+            <a:avLst/>
+          </a:prstGeom>
+          <a:noFill/>
+          <a:extLst>
+            <a:ext uri="{909E8E84-426E-40DD-AFC4-6F175D3DCCD1}">
+              <a14:hiddenFill xmlns:a14="http://schemas.microsoft.com/office/drawing/2010/main">
+                <a:solidFill>
+                  <a:srgbClr val="FFFFFF"/>
+                </a:solidFill>
+              </a14:hiddenFill>
+            </a:ext>
+          </a:extLst>
+        </p:spPr>
+      </p:pic>
     </p:spTree>
     <p:extLst>
       <p:ext uri="{BB962C8B-B14F-4D97-AF65-F5344CB8AC3E}">
@@ -5166,62 +5337,21 @@
             <p:ph type="title"/>
           </p:nvPr>
         </p:nvSpPr>
-        <p:spPr/>
-        <p:txBody>
-          <a:bodyPr/>
-          <a:lstStyle/>
-          <a:p>
-            <a:r>
-              <a:rPr lang="hu-HU" dirty="0"/>
-              <a:t>QA</a:t>
-            </a:r>
-          </a:p>
-        </p:txBody>
-      </p:sp>
-      <p:sp>
-        <p:nvSpPr>
-          <p:cNvPr id="3" name="Tartalom helye 2">
-            <a:extLst>
-              <a:ext uri="{FF2B5EF4-FFF2-40B4-BE49-F238E27FC236}">
-                <a16:creationId xmlns:a16="http://schemas.microsoft.com/office/drawing/2014/main" id="{C1513F64-45A0-E3AE-47B0-C831AE4BDEDB}"/>
-              </a:ext>
-            </a:extLst>
-          </p:cNvPr>
-          <p:cNvSpPr>
-            <a:spLocks noGrp="1"/>
-          </p:cNvSpPr>
-          <p:nvPr>
-            <p:ph idx="1"/>
-          </p:nvPr>
-        </p:nvSpPr>
-        <p:spPr/>
-        <p:txBody>
-          <a:bodyPr/>
-          <a:lstStyle/>
-          <a:p>
-            <a:r>
-              <a:rPr lang="hu-HU" dirty="0" err="1"/>
-              <a:t>How</a:t>
-            </a:r>
-            <a:r>
-              <a:rPr lang="hu-HU" dirty="0"/>
-              <a:t> </a:t>
-            </a:r>
-            <a:r>
-              <a:rPr lang="hu-HU" dirty="0" err="1"/>
-              <a:t>you</a:t>
-            </a:r>
-            <a:r>
-              <a:rPr lang="hu-HU" dirty="0"/>
-              <a:t> </a:t>
-            </a:r>
-            <a:r>
-              <a:rPr lang="hu-HU" dirty="0" err="1"/>
-              <a:t>dare</a:t>
-            </a:r>
-            <a:r>
-              <a:rPr lang="hu-HU" dirty="0"/>
-              <a:t>?</a:t>
+        <p:spPr>
+          <a:xfrm>
+            <a:off x="1981200" y="2103437"/>
+            <a:ext cx="10515600" cy="1325563"/>
+          </a:xfrm>
+        </p:spPr>
+        <p:txBody>
+          <a:bodyPr>
+            <a:normAutofit/>
+          </a:bodyPr>
+          <a:lstStyle/>
+          <a:p>
+            <a:r>
+              <a:rPr lang="hu-HU" sz="7200" dirty="0"/>
+              <a:t>QA?</a:t>
             </a:r>
           </a:p>
         </p:txBody>

--- a/betterblood.pptx
+++ b/betterblood.pptx
@@ -11,7 +11,7 @@
     <p:sldId id="265" r:id="rId5"/>
     <p:sldId id="259" r:id="rId6"/>
     <p:sldId id="261" r:id="rId7"/>
-    <p:sldId id="262" r:id="rId8"/>
+    <p:sldId id="266" r:id="rId8"/>
   </p:sldIdLst>
   <p:sldSz cx="12192000" cy="6858000"/>
   <p:notesSz cx="6858000" cy="9144000"/>
@@ -265,7 +265,7 @@
           <a:p>
             <a:fld id="{53A7C4DF-B272-2348-B6BD-2D13C13405A7}" type="datetimeFigureOut">
               <a:rPr lang="hu-HU" smtClean="0"/>
-              <a:t>2022. 11. 08.</a:t>
+              <a:t>2022. 11. 09.</a:t>
             </a:fld>
             <a:endParaRPr lang="hu-HU"/>
           </a:p>
@@ -463,7 +463,7 @@
           <a:p>
             <a:fld id="{53A7C4DF-B272-2348-B6BD-2D13C13405A7}" type="datetimeFigureOut">
               <a:rPr lang="hu-HU" smtClean="0"/>
-              <a:t>2022. 11. 08.</a:t>
+              <a:t>2022. 11. 09.</a:t>
             </a:fld>
             <a:endParaRPr lang="hu-HU"/>
           </a:p>
@@ -671,7 +671,7 @@
           <a:p>
             <a:fld id="{53A7C4DF-B272-2348-B6BD-2D13C13405A7}" type="datetimeFigureOut">
               <a:rPr lang="hu-HU" smtClean="0"/>
-              <a:t>2022. 11. 08.</a:t>
+              <a:t>2022. 11. 09.</a:t>
             </a:fld>
             <a:endParaRPr lang="hu-HU"/>
           </a:p>
@@ -869,7 +869,7 @@
           <a:p>
             <a:fld id="{53A7C4DF-B272-2348-B6BD-2D13C13405A7}" type="datetimeFigureOut">
               <a:rPr lang="hu-HU" smtClean="0"/>
-              <a:t>2022. 11. 08.</a:t>
+              <a:t>2022. 11. 09.</a:t>
             </a:fld>
             <a:endParaRPr lang="hu-HU"/>
           </a:p>
@@ -1144,7 +1144,7 @@
           <a:p>
             <a:fld id="{53A7C4DF-B272-2348-B6BD-2D13C13405A7}" type="datetimeFigureOut">
               <a:rPr lang="hu-HU" smtClean="0"/>
-              <a:t>2022. 11. 08.</a:t>
+              <a:t>2022. 11. 09.</a:t>
             </a:fld>
             <a:endParaRPr lang="hu-HU"/>
           </a:p>
@@ -1409,7 +1409,7 @@
           <a:p>
             <a:fld id="{53A7C4DF-B272-2348-B6BD-2D13C13405A7}" type="datetimeFigureOut">
               <a:rPr lang="hu-HU" smtClean="0"/>
-              <a:t>2022. 11. 08.</a:t>
+              <a:t>2022. 11. 09.</a:t>
             </a:fld>
             <a:endParaRPr lang="hu-HU"/>
           </a:p>
@@ -1821,7 +1821,7 @@
           <a:p>
             <a:fld id="{53A7C4DF-B272-2348-B6BD-2D13C13405A7}" type="datetimeFigureOut">
               <a:rPr lang="hu-HU" smtClean="0"/>
-              <a:t>2022. 11. 08.</a:t>
+              <a:t>2022. 11. 09.</a:t>
             </a:fld>
             <a:endParaRPr lang="hu-HU"/>
           </a:p>
@@ -1962,7 +1962,7 @@
           <a:p>
             <a:fld id="{53A7C4DF-B272-2348-B6BD-2D13C13405A7}" type="datetimeFigureOut">
               <a:rPr lang="hu-HU" smtClean="0"/>
-              <a:t>2022. 11. 08.</a:t>
+              <a:t>2022. 11. 09.</a:t>
             </a:fld>
             <a:endParaRPr lang="hu-HU"/>
           </a:p>
@@ -2075,7 +2075,7 @@
           <a:p>
             <a:fld id="{53A7C4DF-B272-2348-B6BD-2D13C13405A7}" type="datetimeFigureOut">
               <a:rPr lang="hu-HU" smtClean="0"/>
-              <a:t>2022. 11. 08.</a:t>
+              <a:t>2022. 11. 09.</a:t>
             </a:fld>
             <a:endParaRPr lang="hu-HU"/>
           </a:p>
@@ -2386,7 +2386,7 @@
           <a:p>
             <a:fld id="{53A7C4DF-B272-2348-B6BD-2D13C13405A7}" type="datetimeFigureOut">
               <a:rPr lang="hu-HU" smtClean="0"/>
-              <a:t>2022. 11. 08.</a:t>
+              <a:t>2022. 11. 09.</a:t>
             </a:fld>
             <a:endParaRPr lang="hu-HU"/>
           </a:p>
@@ -2674,7 +2674,7 @@
           <a:p>
             <a:fld id="{53A7C4DF-B272-2348-B6BD-2D13C13405A7}" type="datetimeFigureOut">
               <a:rPr lang="hu-HU" smtClean="0"/>
-              <a:t>2022. 11. 08.</a:t>
+              <a:t>2022. 11. 09.</a:t>
             </a:fld>
             <a:endParaRPr lang="hu-HU"/>
           </a:p>
@@ -2925,7 +2925,7 @@
           <a:p>
             <a:fld id="{53A7C4DF-B272-2348-B6BD-2D13C13405A7}" type="datetimeFigureOut">
               <a:rPr lang="hu-HU" smtClean="0"/>
-              <a:t>2022. 11. 08.</a:t>
+              <a:t>2022. 11. 09.</a:t>
             </a:fld>
             <a:endParaRPr lang="hu-HU"/>
           </a:p>
@@ -4875,144 +4875,411 @@
             <a:r>
               <a:rPr lang="hu-HU" sz="1800" dirty="0" err="1">
                 <a:effectLst/>
-                <a:latin typeface="NimbusRomNo9L"/>
+                <a:latin typeface="Arial" panose="020B0604020202020204" pitchFamily="34" charset="0"/>
+                <a:cs typeface="Arial" panose="020B0604020202020204" pitchFamily="34" charset="0"/>
               </a:rPr>
               <a:t>Blood</a:t>
             </a:r>
             <a:r>
               <a:rPr lang="hu-HU" sz="1800" dirty="0">
                 <a:effectLst/>
-                <a:latin typeface="NimbusRomNo9L"/>
+                <a:latin typeface="Arial" panose="020B0604020202020204" pitchFamily="34" charset="0"/>
+                <a:cs typeface="Arial" panose="020B0604020202020204" pitchFamily="34" charset="0"/>
               </a:rPr>
               <a:t> </a:t>
             </a:r>
             <a:r>
               <a:rPr lang="hu-HU" sz="1800" dirty="0" err="1">
                 <a:effectLst/>
-                <a:latin typeface="NimbusRomNo9L"/>
+                <a:latin typeface="Arial" panose="020B0604020202020204" pitchFamily="34" charset="0"/>
+                <a:cs typeface="Arial" panose="020B0604020202020204" pitchFamily="34" charset="0"/>
               </a:rPr>
               <a:t>Cell</a:t>
             </a:r>
             <a:r>
               <a:rPr lang="hu-HU" sz="1800" dirty="0">
                 <a:effectLst/>
-                <a:latin typeface="NimbusRomNo9L"/>
+                <a:latin typeface="Arial" panose="020B0604020202020204" pitchFamily="34" charset="0"/>
+                <a:cs typeface="Arial" panose="020B0604020202020204" pitchFamily="34" charset="0"/>
               </a:rPr>
               <a:t> </a:t>
             </a:r>
             <a:r>
               <a:rPr lang="hu-HU" sz="1800" dirty="0" err="1">
                 <a:effectLst/>
-                <a:latin typeface="NimbusRomNo9L"/>
+                <a:latin typeface="Arial" panose="020B0604020202020204" pitchFamily="34" charset="0"/>
+                <a:cs typeface="Arial" panose="020B0604020202020204" pitchFamily="34" charset="0"/>
               </a:rPr>
               <a:t>Images</a:t>
             </a:r>
             <a:r>
               <a:rPr lang="hu-HU" sz="1800" dirty="0">
                 <a:effectLst/>
-                <a:latin typeface="NimbusRomNo9L"/>
+                <a:latin typeface="Arial" panose="020B0604020202020204" pitchFamily="34" charset="0"/>
+                <a:cs typeface="Arial" panose="020B0604020202020204" pitchFamily="34" charset="0"/>
               </a:rPr>
               <a:t> </a:t>
             </a:r>
             <a:r>
               <a:rPr lang="hu-HU" sz="1800" dirty="0" err="1">
                 <a:effectLst/>
-                <a:latin typeface="NimbusRomNo9L"/>
+                <a:latin typeface="Arial" panose="020B0604020202020204" pitchFamily="34" charset="0"/>
+                <a:cs typeface="Arial" panose="020B0604020202020204" pitchFamily="34" charset="0"/>
               </a:rPr>
               <a:t>dataset</a:t>
             </a:r>
             <a:r>
               <a:rPr lang="hu-HU" sz="1800" dirty="0">
                 <a:effectLst/>
-                <a:latin typeface="NimbusRomNo9L"/>
+                <a:latin typeface="Arial" panose="020B0604020202020204" pitchFamily="34" charset="0"/>
+                <a:cs typeface="Arial" panose="020B0604020202020204" pitchFamily="34" charset="0"/>
               </a:rPr>
               <a:t>. </a:t>
             </a:r>
             <a:r>
               <a:rPr lang="hu-HU" sz="1800" dirty="0" err="1">
                 <a:effectLst/>
-                <a:latin typeface="NimbusRomNo9L"/>
+                <a:latin typeface="Arial" panose="020B0604020202020204" pitchFamily="34" charset="0"/>
+                <a:cs typeface="Arial" panose="020B0604020202020204" pitchFamily="34" charset="0"/>
               </a:rPr>
               <a:t>This</a:t>
             </a:r>
             <a:r>
               <a:rPr lang="hu-HU" sz="1800" dirty="0">
                 <a:effectLst/>
-                <a:latin typeface="NimbusRomNo9L"/>
+                <a:latin typeface="Arial" panose="020B0604020202020204" pitchFamily="34" charset="0"/>
+                <a:cs typeface="Arial" panose="020B0604020202020204" pitchFamily="34" charset="0"/>
               </a:rPr>
               <a:t> </a:t>
             </a:r>
             <a:r>
               <a:rPr lang="hu-HU" sz="1800" dirty="0" err="1">
                 <a:effectLst/>
-                <a:latin typeface="NimbusRomNo9L"/>
+                <a:latin typeface="Arial" panose="020B0604020202020204" pitchFamily="34" charset="0"/>
+                <a:cs typeface="Arial" panose="020B0604020202020204" pitchFamily="34" charset="0"/>
               </a:rPr>
               <a:t>dataset</a:t>
             </a:r>
             <a:r>
               <a:rPr lang="hu-HU" sz="1800" dirty="0">
                 <a:effectLst/>
-                <a:latin typeface="NimbusRomNo9L"/>
+                <a:latin typeface="Arial" panose="020B0604020202020204" pitchFamily="34" charset="0"/>
+                <a:cs typeface="Arial" panose="020B0604020202020204" pitchFamily="34" charset="0"/>
               </a:rPr>
               <a:t> is </a:t>
             </a:r>
             <a:r>
               <a:rPr lang="hu-HU" sz="1800" dirty="0" err="1">
                 <a:effectLst/>
-                <a:latin typeface="NimbusRomNo9L"/>
+                <a:latin typeface="Arial" panose="020B0604020202020204" pitchFamily="34" charset="0"/>
+                <a:cs typeface="Arial" panose="020B0604020202020204" pitchFamily="34" charset="0"/>
               </a:rPr>
               <a:t>the</a:t>
             </a:r>
             <a:r>
               <a:rPr lang="hu-HU" sz="1800" dirty="0">
                 <a:effectLst/>
-                <a:latin typeface="NimbusRomNo9L"/>
+                <a:latin typeface="Arial" panose="020B0604020202020204" pitchFamily="34" charset="0"/>
+                <a:cs typeface="Arial" panose="020B0604020202020204" pitchFamily="34" charset="0"/>
               </a:rPr>
               <a:t> </a:t>
             </a:r>
             <a:r>
               <a:rPr lang="hu-HU" sz="1800" dirty="0" err="1">
                 <a:effectLst/>
-                <a:latin typeface="NimbusRomNo9L"/>
+                <a:latin typeface="Arial" panose="020B0604020202020204" pitchFamily="34" charset="0"/>
+                <a:cs typeface="Arial" panose="020B0604020202020204" pitchFamily="34" charset="0"/>
               </a:rPr>
               <a:t>augmented</a:t>
             </a:r>
             <a:r>
               <a:rPr lang="hu-HU" sz="1800" dirty="0">
                 <a:effectLst/>
-                <a:latin typeface="NimbusRomNo9L"/>
+                <a:latin typeface="Arial" panose="020B0604020202020204" pitchFamily="34" charset="0"/>
+                <a:cs typeface="Arial" panose="020B0604020202020204" pitchFamily="34" charset="0"/>
               </a:rPr>
               <a:t> version of </a:t>
             </a:r>
             <a:r>
               <a:rPr lang="hu-HU" sz="1800" dirty="0" err="1">
                 <a:effectLst/>
-                <a:latin typeface="NimbusRomNo9L"/>
+                <a:latin typeface="Arial" panose="020B0604020202020204" pitchFamily="34" charset="0"/>
+                <a:cs typeface="Arial" panose="020B0604020202020204" pitchFamily="34" charset="0"/>
               </a:rPr>
               <a:t>the</a:t>
             </a:r>
             <a:r>
               <a:rPr lang="hu-HU" sz="1800" dirty="0">
                 <a:effectLst/>
-                <a:latin typeface="NimbusRomNo9L"/>
+                <a:latin typeface="Arial" panose="020B0604020202020204" pitchFamily="34" charset="0"/>
+                <a:cs typeface="Arial" panose="020B0604020202020204" pitchFamily="34" charset="0"/>
               </a:rPr>
               <a:t> BCCD </a:t>
             </a:r>
             <a:r>
               <a:rPr lang="hu-HU" sz="1800" dirty="0" err="1">
                 <a:effectLst/>
-                <a:latin typeface="NimbusRomNo9L"/>
+                <a:latin typeface="Arial" panose="020B0604020202020204" pitchFamily="34" charset="0"/>
+                <a:cs typeface="Arial" panose="020B0604020202020204" pitchFamily="34" charset="0"/>
               </a:rPr>
               <a:t>dataset</a:t>
             </a:r>
             <a:r>
               <a:rPr lang="hu-HU" sz="1800" dirty="0">
                 <a:effectLst/>
-                <a:latin typeface="NimbusRomNo9L"/>
+                <a:latin typeface="Arial" panose="020B0604020202020204" pitchFamily="34" charset="0"/>
+                <a:cs typeface="Arial" panose="020B0604020202020204" pitchFamily="34" charset="0"/>
               </a:rPr>
               <a:t>. </a:t>
             </a:r>
-            <a:endParaRPr lang="hu-HU" dirty="0"/>
+          </a:p>
+          <a:p>
+            <a:r>
+              <a:rPr lang="hu-HU" sz="1800" dirty="0">
+                <a:latin typeface="Arial" panose="020B0604020202020204" pitchFamily="34" charset="0"/>
+                <a:cs typeface="Arial" panose="020B0604020202020204" pitchFamily="34" charset="0"/>
+              </a:rPr>
+              <a:t>Public, free </a:t>
+            </a:r>
+            <a:r>
+              <a:rPr lang="hu-HU" sz="1800" dirty="0" err="1">
+                <a:latin typeface="Arial" panose="020B0604020202020204" pitchFamily="34" charset="0"/>
+                <a:cs typeface="Arial" panose="020B0604020202020204" pitchFamily="34" charset="0"/>
+              </a:rPr>
+              <a:t>to</a:t>
+            </a:r>
+            <a:r>
+              <a:rPr lang="hu-HU" sz="1800" dirty="0">
+                <a:latin typeface="Arial" panose="020B0604020202020204" pitchFamily="34" charset="0"/>
+                <a:cs typeface="Arial" panose="020B0604020202020204" pitchFamily="34" charset="0"/>
+              </a:rPr>
+              <a:t> </a:t>
+            </a:r>
+            <a:r>
+              <a:rPr lang="hu-HU" sz="1800" dirty="0" err="1">
+                <a:latin typeface="Arial" panose="020B0604020202020204" pitchFamily="34" charset="0"/>
+                <a:cs typeface="Arial" panose="020B0604020202020204" pitchFamily="34" charset="0"/>
+              </a:rPr>
+              <a:t>use</a:t>
+            </a:r>
+            <a:endParaRPr lang="hu-HU" sz="1800" dirty="0">
+              <a:latin typeface="Arial" panose="020B0604020202020204" pitchFamily="34" charset="0"/>
+              <a:cs typeface="Arial" panose="020B0604020202020204" pitchFamily="34" charset="0"/>
+            </a:endParaRPr>
+          </a:p>
+          <a:p>
+            <a:r>
+              <a:rPr lang="hu-HU" sz="1800" b="0" i="0" dirty="0">
+                <a:effectLst/>
+                <a:latin typeface="Arial" panose="020B0604020202020204" pitchFamily="34" charset="0"/>
+                <a:cs typeface="Arial" panose="020B0604020202020204" pitchFamily="34" charset="0"/>
+              </a:rPr>
+              <a:t>C</a:t>
+            </a:r>
+            <a:r>
+              <a:rPr lang="en-US" sz="1800" b="0" i="0" dirty="0" err="1">
+                <a:effectLst/>
+                <a:latin typeface="Arial" panose="020B0604020202020204" pitchFamily="34" charset="0"/>
+                <a:cs typeface="Arial" panose="020B0604020202020204" pitchFamily="34" charset="0"/>
+              </a:rPr>
+              <a:t>ontains</a:t>
+            </a:r>
+            <a:r>
+              <a:rPr lang="en-US" sz="1800" b="0" i="0" dirty="0">
+                <a:effectLst/>
+                <a:latin typeface="Arial" panose="020B0604020202020204" pitchFamily="34" charset="0"/>
+                <a:cs typeface="Arial" panose="020B0604020202020204" pitchFamily="34" charset="0"/>
+              </a:rPr>
+              <a:t> 12,500</a:t>
+            </a:r>
+            <a:r>
+              <a:rPr lang="hu-HU" sz="1800" b="0" i="0" dirty="0">
+                <a:effectLst/>
+                <a:latin typeface="Arial" panose="020B0604020202020204" pitchFamily="34" charset="0"/>
+                <a:cs typeface="Arial" panose="020B0604020202020204" pitchFamily="34" charset="0"/>
+              </a:rPr>
+              <a:t> </a:t>
+            </a:r>
+            <a:r>
+              <a:rPr lang="en-US" sz="1800" b="0" i="0" dirty="0">
+                <a:effectLst/>
+                <a:latin typeface="Arial" panose="020B0604020202020204" pitchFamily="34" charset="0"/>
+                <a:cs typeface="Arial" panose="020B0604020202020204" pitchFamily="34" charset="0"/>
+              </a:rPr>
+              <a:t>augmented image</a:t>
+            </a:r>
+            <a:r>
+              <a:rPr lang="hu-HU" sz="1800" b="0" i="0" dirty="0">
+                <a:effectLst/>
+                <a:latin typeface="Arial" panose="020B0604020202020204" pitchFamily="34" charset="0"/>
+                <a:cs typeface="Arial" panose="020B0604020202020204" pitchFamily="34" charset="0"/>
+              </a:rPr>
+              <a:t> (</a:t>
+            </a:r>
+            <a:r>
+              <a:rPr lang="en-US" sz="1800" b="0" i="0" dirty="0">
+                <a:effectLst/>
+                <a:latin typeface="Arial" panose="020B0604020202020204" pitchFamily="34" charset="0"/>
+                <a:cs typeface="Arial" panose="020B0604020202020204" pitchFamily="34" charset="0"/>
+              </a:rPr>
+              <a:t>320 x 240</a:t>
+            </a:r>
+            <a:r>
+              <a:rPr lang="hu-HU" sz="1800" b="0" i="0" dirty="0">
+                <a:effectLst/>
+                <a:latin typeface="Arial" panose="020B0604020202020204" pitchFamily="34" charset="0"/>
+                <a:cs typeface="Arial" panose="020B0604020202020204" pitchFamily="34" charset="0"/>
+              </a:rPr>
+              <a:t> </a:t>
+            </a:r>
+            <a:r>
+              <a:rPr lang="en-US" sz="1800" b="0" i="0" dirty="0">
+                <a:effectLst/>
+                <a:latin typeface="Arial" panose="020B0604020202020204" pitchFamily="34" charset="0"/>
+                <a:cs typeface="Arial" panose="020B0604020202020204" pitchFamily="34" charset="0"/>
+              </a:rPr>
+              <a:t>pixels, the bit depth is 24</a:t>
+            </a:r>
+            <a:r>
+              <a:rPr lang="hu-HU" sz="1800" b="0" i="0" dirty="0">
+                <a:effectLst/>
+                <a:latin typeface="Arial" panose="020B0604020202020204" pitchFamily="34" charset="0"/>
+                <a:cs typeface="Arial" panose="020B0604020202020204" pitchFamily="34" charset="0"/>
+              </a:rPr>
+              <a:t>)</a:t>
+            </a:r>
+          </a:p>
+          <a:p>
+            <a:r>
+              <a:rPr lang="hu-HU" sz="1800" dirty="0" err="1">
+                <a:latin typeface="Arial" panose="020B0604020202020204" pitchFamily="34" charset="0"/>
+                <a:cs typeface="Arial" panose="020B0604020202020204" pitchFamily="34" charset="0"/>
+              </a:rPr>
+              <a:t>Labels</a:t>
+            </a:r>
+            <a:r>
+              <a:rPr lang="hu-HU" sz="1800" dirty="0">
+                <a:latin typeface="Arial" panose="020B0604020202020204" pitchFamily="34" charset="0"/>
+                <a:cs typeface="Arial" panose="020B0604020202020204" pitchFamily="34" charset="0"/>
+              </a:rPr>
+              <a:t>: </a:t>
+            </a:r>
+            <a:r>
+              <a:rPr lang="hu-HU" sz="1200" dirty="0">
+                <a:latin typeface="Arial" panose="020B0604020202020204" pitchFamily="34" charset="0"/>
+                <a:cs typeface="Arial" panose="020B0604020202020204" pitchFamily="34" charset="0"/>
+              </a:rPr>
+              <a:t> </a:t>
+            </a:r>
+            <a:r>
+              <a:rPr lang="en-US" sz="1800" b="0" i="0" dirty="0">
+                <a:effectLst/>
+                <a:latin typeface="Arial" panose="020B0604020202020204" pitchFamily="34" charset="0"/>
+              </a:rPr>
+              <a:t>RBC,</a:t>
+            </a:r>
+            <a:r>
+              <a:rPr lang="hu-HU" sz="1800" b="0" i="0" dirty="0">
+                <a:effectLst/>
+                <a:latin typeface="Arial" panose="020B0604020202020204" pitchFamily="34" charset="0"/>
+              </a:rPr>
+              <a:t> </a:t>
+            </a:r>
+            <a:r>
+              <a:rPr lang="en-US" sz="1800" b="0" i="0" dirty="0" err="1">
+                <a:effectLst/>
+                <a:latin typeface="Arial" panose="020B0604020202020204" pitchFamily="34" charset="0"/>
+              </a:rPr>
+              <a:t>Platele</a:t>
+            </a:r>
+            <a:r>
+              <a:rPr lang="hu-HU" sz="1800" b="0" i="0" dirty="0">
+                <a:effectLst/>
+                <a:latin typeface="Arial" panose="020B0604020202020204" pitchFamily="34" charset="0"/>
+              </a:rPr>
+              <a:t>,</a:t>
+            </a:r>
+            <a:r>
+              <a:rPr lang="en-US" sz="1800" b="0" i="0" dirty="0">
+                <a:effectLst/>
+                <a:latin typeface="Arial" panose="020B0604020202020204" pitchFamily="34" charset="0"/>
+              </a:rPr>
+              <a:t> WBC</a:t>
+            </a:r>
+            <a:r>
+              <a:rPr lang="hu-HU" sz="1800" b="0" i="0" dirty="0">
+                <a:effectLst/>
+                <a:latin typeface="Arial" panose="020B0604020202020204" pitchFamily="34" charset="0"/>
+              </a:rPr>
+              <a:t>s (</a:t>
+            </a:r>
+            <a:r>
+              <a:rPr lang="en-US" sz="1800" b="0" i="0" dirty="0">
+                <a:effectLst/>
+                <a:latin typeface="Arial" panose="020B0604020202020204" pitchFamily="34" charset="0"/>
+                <a:cs typeface="Arial" panose="020B0604020202020204" pitchFamily="34" charset="0"/>
+              </a:rPr>
+              <a:t>Neutrophil</a:t>
+            </a:r>
+            <a:r>
+              <a:rPr lang="en-US" sz="1200" b="0" i="0" dirty="0">
+                <a:effectLst/>
+                <a:latin typeface="Arial" panose="020B0604020202020204" pitchFamily="34" charset="0"/>
+                <a:cs typeface="Arial" panose="020B0604020202020204" pitchFamily="34" charset="0"/>
+              </a:rPr>
+              <a:t> </a:t>
+            </a:r>
+            <a:r>
+              <a:rPr lang="hu-HU" sz="1200" b="0" i="0" dirty="0">
+                <a:effectLst/>
+                <a:latin typeface="Arial" panose="020B0604020202020204" pitchFamily="34" charset="0"/>
+                <a:cs typeface="Arial" panose="020B0604020202020204" pitchFamily="34" charset="0"/>
+              </a:rPr>
+              <a:t>, </a:t>
+            </a:r>
+            <a:r>
+              <a:rPr lang="en-US" sz="1800" b="0" i="0" dirty="0">
+                <a:effectLst/>
+                <a:latin typeface="Arial" panose="020B0604020202020204" pitchFamily="34" charset="0"/>
+                <a:cs typeface="Arial" panose="020B0604020202020204" pitchFamily="34" charset="0"/>
+              </a:rPr>
+              <a:t>Eosinophil, Lymphocyte</a:t>
+            </a:r>
+            <a:r>
+              <a:rPr lang="hu-HU" sz="1800" b="0" i="0" dirty="0">
+                <a:effectLst/>
+                <a:latin typeface="Arial" panose="020B0604020202020204" pitchFamily="34" charset="0"/>
+                <a:cs typeface="Arial" panose="020B0604020202020204" pitchFamily="34" charset="0"/>
+              </a:rPr>
+              <a:t> and</a:t>
+            </a:r>
+            <a:r>
+              <a:rPr lang="en-US" sz="1800" b="0" i="0" dirty="0">
+                <a:effectLst/>
+                <a:latin typeface="Arial" panose="020B0604020202020204" pitchFamily="34" charset="0"/>
+                <a:cs typeface="Arial" panose="020B0604020202020204" pitchFamily="34" charset="0"/>
+              </a:rPr>
+              <a:t> Monocyte</a:t>
+            </a:r>
+            <a:r>
+              <a:rPr lang="hu-HU" sz="1800" b="0" i="0" dirty="0">
+                <a:effectLst/>
+                <a:latin typeface="Arial" panose="020B0604020202020204" pitchFamily="34" charset="0"/>
+                <a:cs typeface="Arial" panose="020B0604020202020204" pitchFamily="34" charset="0"/>
+              </a:rPr>
+              <a:t>)</a:t>
+            </a:r>
+            <a:br>
+              <a:rPr lang="hu-HU" sz="1800" b="0" i="0" dirty="0">
+                <a:effectLst/>
+                <a:latin typeface="Arial" panose="020B0604020202020204" pitchFamily="34" charset="0"/>
+                <a:cs typeface="Arial" panose="020B0604020202020204" pitchFamily="34" charset="0"/>
+              </a:rPr>
+            </a:br>
+            <a:endParaRPr lang="hu-HU" sz="1800" dirty="0">
+              <a:latin typeface="Arial" panose="020B0604020202020204" pitchFamily="34" charset="0"/>
+              <a:cs typeface="Arial" panose="020B0604020202020204" pitchFamily="34" charset="0"/>
+            </a:endParaRPr>
           </a:p>
         </p:txBody>
       </p:sp>
@@ -5045,7 +5312,7 @@
         </p:blipFill>
         <p:spPr bwMode="auto">
           <a:xfrm>
-            <a:off x="2529668" y="3410718"/>
+            <a:off x="1446826" y="3591693"/>
             <a:ext cx="8824132" cy="2901182"/>
           </a:xfrm>
           <a:prstGeom prst="rect">
@@ -5138,18 +5405,35 @@
             <p:ph idx="1"/>
           </p:nvPr>
         </p:nvSpPr>
-        <p:spPr/>
+        <p:spPr>
+          <a:xfrm>
+            <a:off x="838200" y="1825625"/>
+            <a:ext cx="4503821" cy="4351338"/>
+          </a:xfrm>
+        </p:spPr>
         <p:txBody>
           <a:bodyPr/>
           <a:lstStyle/>
           <a:p>
             <a:r>
+              <a:rPr lang="hu-HU" dirty="0" err="1"/>
+              <a:t>Accuracy</a:t>
+            </a:r>
+            <a:r>
               <a:rPr lang="hu-HU" dirty="0"/>
-              <a:t>94.23%-&gt;95.67% </a:t>
+              <a:t> is </a:t>
             </a:r>
             <a:r>
               <a:rPr lang="hu-HU" dirty="0" err="1"/>
-              <a:t>accuracy</a:t>
+              <a:t>the</a:t>
+            </a:r>
+            <a:r>
+              <a:rPr lang="hu-HU" dirty="0"/>
+              <a:t> </a:t>
+            </a:r>
+            <a:r>
+              <a:rPr lang="hu-HU" dirty="0" err="1"/>
+              <a:t>same</a:t>
             </a:r>
             <a:endParaRPr lang="hu-HU" dirty="0"/>
           </a:p>
@@ -5160,7 +5444,30 @@
             </a:r>
             <a:r>
               <a:rPr lang="hu-HU" dirty="0" err="1"/>
-              <a:t>decreased</a:t>
+              <a:t>decrease</a:t>
+            </a:r>
+            <a:r>
+              <a:rPr lang="hu-HU" dirty="0"/>
+              <a:t> in </a:t>
+            </a:r>
+            <a:r>
+              <a:rPr lang="hu-HU" dirty="0" err="1"/>
+              <a:t>runtime</a:t>
+            </a:r>
+            <a:endParaRPr lang="hu-HU" dirty="0"/>
+          </a:p>
+          <a:p>
+            <a:r>
+              <a:rPr lang="hu-HU" dirty="0" err="1"/>
+              <a:t>Cheaper</a:t>
+            </a:r>
+            <a:r>
+              <a:rPr lang="hu-HU" dirty="0"/>
+              <a:t>, </a:t>
+            </a:r>
+            <a:r>
+              <a:rPr lang="hu-HU" dirty="0" err="1"/>
+              <a:t>faster</a:t>
             </a:r>
             <a:r>
               <a:rPr lang="hu-HU" dirty="0"/>
@@ -5168,14 +5475,7 @@
             </a:r>
             <a:r>
               <a:rPr lang="hu-HU" dirty="0" err="1"/>
-              <a:t>runtime</a:t>
-            </a:r>
-            <a:endParaRPr lang="hu-HU" dirty="0"/>
-          </a:p>
-          <a:p>
-            <a:r>
-              <a:rPr lang="hu-HU" dirty="0" err="1"/>
-              <a:t>cheaper</a:t>
+              <a:t>to</a:t>
             </a:r>
             <a:r>
               <a:rPr lang="hu-HU" dirty="0"/>
@@ -5183,7 +5483,14 @@
             </a:r>
             <a:r>
               <a:rPr lang="hu-HU" dirty="0" err="1"/>
-              <a:t>analyzis</a:t>
+              <a:t>train</a:t>
+            </a:r>
+            <a:endParaRPr lang="hu-HU" dirty="0"/>
+          </a:p>
+          <a:p>
+            <a:r>
+              <a:rPr lang="hu-HU" dirty="0" err="1"/>
+              <a:t>Negative</a:t>
             </a:r>
             <a:r>
               <a:rPr lang="hu-HU" dirty="0"/>
@@ -5191,7 +5498,31 @@
             </a:r>
             <a:r>
               <a:rPr lang="hu-HU" dirty="0" err="1"/>
-              <a:t>available</a:t>
+              <a:t>results</a:t>
+            </a:r>
+            <a:r>
+              <a:rPr lang="hu-HU" dirty="0"/>
+              <a:t> </a:t>
+            </a:r>
+            <a:r>
+              <a:rPr lang="hu-HU" dirty="0" err="1"/>
+              <a:t>on</a:t>
+            </a:r>
+            <a:r>
+              <a:rPr lang="hu-HU" dirty="0"/>
+              <a:t> </a:t>
+            </a:r>
+            <a:r>
+              <a:rPr lang="hu-HU" dirty="0" err="1"/>
+              <a:t>feature</a:t>
+            </a:r>
+            <a:r>
+              <a:rPr lang="hu-HU" dirty="0"/>
+              <a:t> </a:t>
+            </a:r>
+            <a:r>
+              <a:rPr lang="hu-HU" dirty="0" err="1"/>
+              <a:t>reduction</a:t>
             </a:r>
             <a:endParaRPr lang="hu-HU" dirty="0"/>
           </a:p>
@@ -5326,7 +5657,7 @@
           <p:cNvPr id="2" name="Cím 1">
             <a:extLst>
               <a:ext uri="{FF2B5EF4-FFF2-40B4-BE49-F238E27FC236}">
-                <a16:creationId xmlns:a16="http://schemas.microsoft.com/office/drawing/2014/main" id="{A37FF3A8-0D11-A8F0-B7C1-B07D53C0E719}"/>
+                <a16:creationId xmlns:a16="http://schemas.microsoft.com/office/drawing/2014/main" id="{9043320D-E607-0238-9DEF-3C5E3D745E36}"/>
               </a:ext>
             </a:extLst>
           </p:cNvPr>
@@ -5339,27 +5670,285 @@
         </p:nvSpPr>
         <p:spPr>
           <a:xfrm>
-            <a:off x="1981200" y="2103437"/>
-            <a:ext cx="10515600" cy="1325563"/>
+            <a:off x="838200" y="365125"/>
+            <a:ext cx="4804611" cy="1325563"/>
           </a:xfrm>
         </p:spPr>
         <p:txBody>
           <a:bodyPr>
-            <a:normAutofit/>
+            <a:noAutofit/>
           </a:bodyPr>
           <a:lstStyle/>
           <a:p>
             <a:r>
-              <a:rPr lang="hu-HU" sz="7200" dirty="0"/>
-              <a:t>QA?</a:t>
-            </a:r>
+              <a:rPr lang="en-US" sz="5000" dirty="0"/>
+              <a:t>Thank you for your attention!</a:t>
+            </a:r>
+            <a:endParaRPr lang="hu-HU" sz="5000" dirty="0"/>
+          </a:p>
+        </p:txBody>
+      </p:sp>
+      <p:sp>
+        <p:nvSpPr>
+          <p:cNvPr id="3" name="Tartalom helye 2">
+            <a:extLst>
+              <a:ext uri="{FF2B5EF4-FFF2-40B4-BE49-F238E27FC236}">
+                <a16:creationId xmlns:a16="http://schemas.microsoft.com/office/drawing/2014/main" id="{F6A08392-DE58-8D26-D89C-94A41720E43A}"/>
+              </a:ext>
+            </a:extLst>
+          </p:cNvPr>
+          <p:cNvSpPr>
+            <a:spLocks noGrp="1"/>
+          </p:cNvSpPr>
+          <p:nvPr>
+            <p:ph idx="1"/>
+          </p:nvPr>
+        </p:nvSpPr>
+        <p:spPr>
+          <a:xfrm>
+            <a:off x="1824228" y="3920039"/>
+            <a:ext cx="2202901" cy="507584"/>
+          </a:xfrm>
+        </p:spPr>
+        <p:txBody>
+          <a:bodyPr/>
+          <a:lstStyle/>
+          <a:p>
+            <a:pPr marL="0" indent="0">
+              <a:buNone/>
+            </a:pPr>
+            <a:r>
+              <a:rPr lang="hu-HU" sz="2400" dirty="0" err="1">
+                <a:latin typeface="+mn-lt"/>
+                <a:ea typeface="+mn-ea"/>
+                <a:cs typeface="+mn-cs"/>
+              </a:rPr>
+              <a:t>Any</a:t>
+            </a:r>
+            <a:r>
+              <a:rPr lang="hu-HU" sz="2400" dirty="0">
+                <a:latin typeface="+mn-lt"/>
+                <a:ea typeface="+mn-ea"/>
+                <a:cs typeface="+mn-cs"/>
+              </a:rPr>
+              <a:t> </a:t>
+            </a:r>
+            <a:r>
+              <a:rPr lang="hu-HU" sz="2400" dirty="0" err="1">
+                <a:latin typeface="+mn-lt"/>
+                <a:ea typeface="+mn-ea"/>
+                <a:cs typeface="+mn-cs"/>
+              </a:rPr>
+              <a:t>questions</a:t>
+            </a:r>
+            <a:r>
+              <a:rPr lang="hu-HU" sz="2400" dirty="0">
+                <a:latin typeface="+mn-lt"/>
+                <a:ea typeface="+mn-ea"/>
+                <a:cs typeface="+mn-cs"/>
+              </a:rPr>
+              <a:t>?</a:t>
+            </a:r>
+            <a:endParaRPr lang="en-US" sz="2400" dirty="0">
+              <a:latin typeface="+mn-lt"/>
+              <a:ea typeface="+mn-ea"/>
+              <a:cs typeface="+mn-cs"/>
+            </a:endParaRPr>
+          </a:p>
+          <a:p>
+            <a:endParaRPr lang="hu-HU" dirty="0"/>
+          </a:p>
+        </p:txBody>
+      </p:sp>
+      <p:pic>
+        <p:nvPicPr>
+          <p:cNvPr id="4" name="Picture 3" descr="A picture containing indoor, person, computer&#10;&#10;Description automatically generated">
+            <a:extLst>
+              <a:ext uri="{FF2B5EF4-FFF2-40B4-BE49-F238E27FC236}">
+                <a16:creationId xmlns:a16="http://schemas.microsoft.com/office/drawing/2014/main" id="{371F7EE5-8CD0-3746-9E37-5148ACBAD23B}"/>
+              </a:ext>
+            </a:extLst>
+          </p:cNvPr>
+          <p:cNvPicPr>
+            <a:picLocks noChangeAspect="1"/>
+          </p:cNvPicPr>
+          <p:nvPr/>
+        </p:nvPicPr>
+        <p:blipFill rotWithShape="1">
+          <a:blip r:embed="rId2"/>
+          <a:srcRect r="-1" b="25226"/>
+          <a:stretch/>
+        </p:blipFill>
+        <p:spPr>
+          <a:xfrm>
+            <a:off x="5311702" y="10"/>
+            <a:ext cx="6878775" cy="6857990"/>
+          </a:xfrm>
+          <a:custGeom>
+            <a:avLst/>
+            <a:gdLst/>
+            <a:ahLst/>
+            <a:cxnLst/>
+            <a:rect l="l" t="t" r="r" b="b"/>
+            <a:pathLst>
+              <a:path w="6878775" h="6858000">
+                <a:moveTo>
+                  <a:pt x="1102973" y="0"/>
+                </a:moveTo>
+                <a:lnTo>
+                  <a:pt x="1160688" y="0"/>
+                </a:lnTo>
+                <a:lnTo>
+                  <a:pt x="983189" y="331786"/>
+                </a:lnTo>
+                <a:cubicBezTo>
+                  <a:pt x="914866" y="469145"/>
+                  <a:pt x="850355" y="608712"/>
+                  <a:pt x="789261" y="750263"/>
+                </a:cubicBezTo>
+                <a:cubicBezTo>
+                  <a:pt x="774307" y="784928"/>
+                  <a:pt x="759992" y="819849"/>
+                  <a:pt x="745295" y="854514"/>
+                </a:cubicBezTo>
+                <a:cubicBezTo>
+                  <a:pt x="756682" y="845393"/>
+                  <a:pt x="765489" y="833492"/>
+                  <a:pt x="770857" y="819975"/>
+                </a:cubicBezTo>
+                <a:cubicBezTo>
+                  <a:pt x="879943" y="589569"/>
+                  <a:pt x="999605" y="365513"/>
+                  <a:pt x="1131329" y="148742"/>
+                </a:cubicBezTo>
+                <a:lnTo>
+                  <a:pt x="1227589" y="0"/>
+                </a:lnTo>
+                <a:lnTo>
+                  <a:pt x="6878775" y="0"/>
+                </a:lnTo>
+                <a:lnTo>
+                  <a:pt x="6878775" y="6858000"/>
+                </a:lnTo>
+                <a:lnTo>
+                  <a:pt x="713521" y="6858000"/>
+                </a:lnTo>
+                <a:lnTo>
+                  <a:pt x="625642" y="6670527"/>
+                </a:lnTo>
+                <a:cubicBezTo>
+                  <a:pt x="507232" y="6398531"/>
+                  <a:pt x="403083" y="6118381"/>
+                  <a:pt x="312785" y="5830359"/>
+                </a:cubicBezTo>
+                <a:cubicBezTo>
+                  <a:pt x="278149" y="5719759"/>
+                  <a:pt x="248879" y="5607635"/>
+                  <a:pt x="212198" y="5480401"/>
+                </a:cubicBezTo>
+                <a:cubicBezTo>
+                  <a:pt x="212208" y="5491601"/>
+                  <a:pt x="212803" y="5502788"/>
+                  <a:pt x="213988" y="5513923"/>
+                </a:cubicBezTo>
+                <a:cubicBezTo>
+                  <a:pt x="264089" y="5723695"/>
+                  <a:pt x="307290" y="5935370"/>
+                  <a:pt x="365826" y="6142729"/>
+                </a:cubicBezTo>
+                <a:cubicBezTo>
+                  <a:pt x="433152" y="6380817"/>
+                  <a:pt x="510068" y="6614016"/>
+                  <a:pt x="597975" y="6841549"/>
+                </a:cubicBezTo>
+                <a:lnTo>
+                  <a:pt x="604824" y="6858000"/>
+                </a:lnTo>
+                <a:lnTo>
+                  <a:pt x="552056" y="6858000"/>
+                </a:lnTo>
+                <a:lnTo>
+                  <a:pt x="539576" y="6828295"/>
+                </a:lnTo>
+                <a:cubicBezTo>
+                  <a:pt x="380597" y="6414594"/>
+                  <a:pt x="260223" y="5988893"/>
+                  <a:pt x="171555" y="5552906"/>
+                </a:cubicBezTo>
+                <a:cubicBezTo>
+                  <a:pt x="91163" y="5157998"/>
+                  <a:pt x="43746" y="4758899"/>
+                  <a:pt x="12305" y="4357388"/>
+                </a:cubicBezTo>
+                <a:cubicBezTo>
+                  <a:pt x="-14281" y="4013908"/>
+                  <a:pt x="4507" y="3672965"/>
+                  <a:pt x="46684" y="3331516"/>
+                </a:cubicBezTo>
+                <a:cubicBezTo>
+                  <a:pt x="127203" y="2664286"/>
+                  <a:pt x="277819" y="2007265"/>
+                  <a:pt x="496065" y="1371196"/>
+                </a:cubicBezTo>
+                <a:cubicBezTo>
+                  <a:pt x="636273" y="966066"/>
+                  <a:pt x="800445" y="573253"/>
+                  <a:pt x="995723" y="196614"/>
+                </a:cubicBezTo>
+                <a:close/>
+              </a:path>
+            </a:pathLst>
+          </a:custGeom>
+        </p:spPr>
+      </p:pic>
+      <p:sp>
+        <p:nvSpPr>
+          <p:cNvPr id="10" name="Rectangle 9">
+            <a:extLst>
+              <a:ext uri="{FF2B5EF4-FFF2-40B4-BE49-F238E27FC236}">
+                <a16:creationId xmlns:a16="http://schemas.microsoft.com/office/drawing/2014/main" id="{F131DAA2-9503-75E1-903F-CA2DDD5F70F4}"/>
+              </a:ext>
+            </a:extLst>
+          </p:cNvPr>
+          <p:cNvSpPr/>
+          <p:nvPr/>
+        </p:nvSpPr>
+        <p:spPr>
+          <a:xfrm>
+            <a:off x="838200" y="1876925"/>
+            <a:ext cx="4174958" cy="78205"/>
+          </a:xfrm>
+          <a:prstGeom prst="rect">
+            <a:avLst/>
+          </a:prstGeom>
+        </p:spPr>
+        <p:style>
+          <a:lnRef idx="0">
+            <a:schemeClr val="accent2"/>
+          </a:lnRef>
+          <a:fillRef idx="3">
+            <a:schemeClr val="accent2"/>
+          </a:fillRef>
+          <a:effectRef idx="3">
+            <a:schemeClr val="accent2"/>
+          </a:effectRef>
+          <a:fontRef idx="minor">
+            <a:schemeClr val="lt1"/>
+          </a:fontRef>
+        </p:style>
+        <p:txBody>
+          <a:bodyPr rtlCol="0" anchor="ctr"/>
+          <a:lstStyle/>
+          <a:p>
+            <a:pPr algn="ctr"/>
+            <a:endParaRPr lang="en-US"/>
           </a:p>
         </p:txBody>
       </p:sp>
     </p:spTree>
     <p:extLst>
       <p:ext uri="{BB962C8B-B14F-4D97-AF65-F5344CB8AC3E}">
-        <p14:creationId xmlns:p14="http://schemas.microsoft.com/office/powerpoint/2010/main" val="3308024779"/>
+        <p14:creationId xmlns:p14="http://schemas.microsoft.com/office/powerpoint/2010/main" val="3467589044"/>
       </p:ext>
     </p:extLst>
   </p:cSld>
